--- a/design/ゲームシステム.pptx
+++ b/design/ゲームシステム.pptx
@@ -5,11 +5,12 @@
     <p:sldMasterId id="2147483648" r:id="rId1"/>
   </p:sldMasterIdLst>
   <p:notesMasterIdLst>
-    <p:notesMasterId r:id="rId4"/>
+    <p:notesMasterId r:id="rId5"/>
   </p:notesMasterIdLst>
   <p:sldIdLst>
     <p:sldId id="256" r:id="rId2"/>
     <p:sldId id="257" r:id="rId3"/>
+    <p:sldId id="258" r:id="rId4"/>
   </p:sldIdLst>
   <p:sldSz cx="12192000" cy="6858000"/>
   <p:notesSz cx="6858000" cy="9144000"/>
@@ -673,6 +674,117 @@
     <p:extLst>
       <p:ext uri="{BB962C8B-B14F-4D97-AF65-F5344CB8AC3E}">
         <p14:creationId xmlns:p14="http://schemas.microsoft.com/office/powerpoint/2010/main" val="4187734532"/>
+      </p:ext>
+    </p:extLst>
+  </p:cSld>
+  <p:clrMapOvr>
+    <a:masterClrMapping/>
+  </p:clrMapOvr>
+</p:notes>
+</file>
+
+<file path=ppt/notesSlides/notesSlide3.xml><?xml version="1.0" encoding="utf-8"?>
+<p:notes xmlns:a="http://schemas.openxmlformats.org/drawingml/2006/main" xmlns:r="http://schemas.openxmlformats.org/officeDocument/2006/relationships" xmlns:p="http://schemas.openxmlformats.org/presentationml/2006/main">
+  <p:cSld>
+    <p:spTree>
+      <p:nvGrpSpPr>
+        <p:cNvPr id="1" name=""/>
+        <p:cNvGrpSpPr/>
+        <p:nvPr/>
+      </p:nvGrpSpPr>
+      <p:grpSpPr>
+        <a:xfrm>
+          <a:off x="0" y="0"/>
+          <a:ext cx="0" cy="0"/>
+          <a:chOff x="0" y="0"/>
+          <a:chExt cx="0" cy="0"/>
+        </a:xfrm>
+      </p:grpSpPr>
+      <p:sp>
+        <p:nvSpPr>
+          <p:cNvPr id="2" name="スライド イメージ プレースホルダー 1"/>
+          <p:cNvSpPr>
+            <a:spLocks noGrp="1" noRot="1" noChangeAspect="1"/>
+          </p:cNvSpPr>
+          <p:nvPr>
+            <p:ph type="sldImg"/>
+          </p:nvPr>
+        </p:nvSpPr>
+        <p:spPr/>
+      </p:sp>
+      <p:sp>
+        <p:nvSpPr>
+          <p:cNvPr id="3" name="ノート プレースホルダー 2"/>
+          <p:cNvSpPr>
+            <a:spLocks noGrp="1"/>
+          </p:cNvSpPr>
+          <p:nvPr>
+            <p:ph type="body" idx="1"/>
+          </p:nvPr>
+        </p:nvSpPr>
+        <p:spPr/>
+        <p:txBody>
+          <a:bodyPr/>
+          <a:lstStyle/>
+          <a:p>
+            <a:r>
+              <a:rPr kumimoji="1" lang="ja-JP" altLang="en-US" dirty="0" smtClean="0"/>
+              <a:t>ファイルの同期をどう行うかが肝心。</a:t>
+            </a:r>
+            <a:endParaRPr kumimoji="1" lang="en-US" altLang="ja-JP" dirty="0" smtClean="0"/>
+          </a:p>
+          <a:p>
+            <a:r>
+              <a:rPr kumimoji="1" lang="en-US" altLang="ja-JP" dirty="0" smtClean="0"/>
+              <a:t>2</a:t>
+            </a:r>
+            <a:r>
+              <a:rPr kumimoji="1" lang="ja-JP" altLang="en-US" dirty="0" smtClean="0"/>
+              <a:t>人の</a:t>
+            </a:r>
+            <a:r>
+              <a:rPr kumimoji="1" lang="en-US" altLang="ja-JP" dirty="0" smtClean="0"/>
+              <a:t>Player</a:t>
+            </a:r>
+            <a:r>
+              <a:rPr kumimoji="1" lang="ja-JP" altLang="en-US" dirty="0" err="1" smtClean="0"/>
+              <a:t>だけに</a:t>
+            </a:r>
+            <a:r>
+              <a:rPr kumimoji="1" lang="ja-JP" altLang="en-US" smtClean="0"/>
+              <a:t>通じるファイルにしないといけない。その決め方をどうするか。</a:t>
+            </a:r>
+            <a:endParaRPr kumimoji="1" lang="ja-JP" altLang="en-US" dirty="0"/>
+          </a:p>
+        </p:txBody>
+      </p:sp>
+      <p:sp>
+        <p:nvSpPr>
+          <p:cNvPr id="4" name="スライド番号プレースホルダー 3"/>
+          <p:cNvSpPr>
+            <a:spLocks noGrp="1"/>
+          </p:cNvSpPr>
+          <p:nvPr>
+            <p:ph type="sldNum" sz="quarter" idx="10"/>
+          </p:nvPr>
+        </p:nvSpPr>
+        <p:spPr/>
+        <p:txBody>
+          <a:bodyPr/>
+          <a:lstStyle/>
+          <a:p>
+            <a:fld id="{0384B56B-5CA1-4B73-9B92-65F8C9E4633A}" type="slidenum">
+              <a:rPr kumimoji="1" lang="ja-JP" altLang="en-US" smtClean="0"/>
+              <a:t>3</a:t>
+            </a:fld>
+            <a:endParaRPr kumimoji="1" lang="ja-JP" altLang="en-US"/>
+          </a:p>
+        </p:txBody>
+      </p:sp>
+    </p:spTree>
+    <p:extLst>
+      <p:ext uri="{BB962C8B-B14F-4D97-AF65-F5344CB8AC3E}">
+        <p14:creationId xmlns:p14="http://schemas.microsoft.com/office/powerpoint/2010/main" val="2382303374"/>
       </p:ext>
     </p:extLst>
   </p:cSld>
@@ -5373,6 +5485,646 @@
     <p:extLst>
       <p:ext uri="{BB962C8B-B14F-4D97-AF65-F5344CB8AC3E}">
         <p14:creationId xmlns:p14="http://schemas.microsoft.com/office/powerpoint/2010/main" val="1437919752"/>
+      </p:ext>
+    </p:extLst>
+  </p:cSld>
+  <p:clrMapOvr>
+    <a:masterClrMapping/>
+  </p:clrMapOvr>
+</p:sld>
+</file>
+
+<file path=ppt/slides/slide3.xml><?xml version="1.0" encoding="utf-8"?>
+<p:sld xmlns:a="http://schemas.openxmlformats.org/drawingml/2006/main" xmlns:r="http://schemas.openxmlformats.org/officeDocument/2006/relationships" xmlns:p="http://schemas.openxmlformats.org/presentationml/2006/main">
+  <p:cSld>
+    <p:spTree>
+      <p:nvGrpSpPr>
+        <p:cNvPr id="1" name=""/>
+        <p:cNvGrpSpPr/>
+        <p:nvPr/>
+      </p:nvGrpSpPr>
+      <p:grpSpPr>
+        <a:xfrm>
+          <a:off x="0" y="0"/>
+          <a:ext cx="0" cy="0"/>
+          <a:chOff x="0" y="0"/>
+          <a:chExt cx="0" cy="0"/>
+        </a:xfrm>
+      </p:grpSpPr>
+      <p:sp>
+        <p:nvSpPr>
+          <p:cNvPr id="4" name="テキスト ボックス 3"/>
+          <p:cNvSpPr txBox="1"/>
+          <p:nvPr/>
+        </p:nvSpPr>
+        <p:spPr>
+          <a:xfrm>
+            <a:off x="2499031" y="0"/>
+            <a:ext cx="7588865" cy="830997"/>
+          </a:xfrm>
+          <a:prstGeom prst="rect">
+            <a:avLst/>
+          </a:prstGeom>
+          <a:noFill/>
+        </p:spPr>
+        <p:txBody>
+          <a:bodyPr wrap="square" rtlCol="0">
+            <a:spAutoFit/>
+          </a:bodyPr>
+          <a:lstStyle/>
+          <a:p>
+            <a:pPr algn="ctr"/>
+            <a:r>
+              <a:rPr kumimoji="1" lang="ja-JP" altLang="en-US" sz="4800" b="1" dirty="0" smtClean="0">
+                <a:solidFill>
+                  <a:srgbClr val="7030A0"/>
+                </a:solidFill>
+              </a:rPr>
+              <a:t>オセロのファイルフォーマット</a:t>
+            </a:r>
+            <a:endParaRPr kumimoji="1" lang="ja-JP" altLang="en-US" sz="4800" b="1" dirty="0">
+              <a:solidFill>
+                <a:srgbClr val="7030A0"/>
+              </a:solidFill>
+            </a:endParaRPr>
+          </a:p>
+        </p:txBody>
+      </p:sp>
+      <p:sp>
+        <p:nvSpPr>
+          <p:cNvPr id="5" name="テキスト ボックス 4"/>
+          <p:cNvSpPr txBox="1"/>
+          <p:nvPr/>
+        </p:nvSpPr>
+        <p:spPr>
+          <a:xfrm>
+            <a:off x="423021" y="4608216"/>
+            <a:ext cx="1901372" cy="646331"/>
+          </a:xfrm>
+          <a:prstGeom prst="rect">
+            <a:avLst/>
+          </a:prstGeom>
+          <a:noFill/>
+        </p:spPr>
+        <p:txBody>
+          <a:bodyPr wrap="square" rtlCol="0">
+            <a:spAutoFit/>
+          </a:bodyPr>
+          <a:lstStyle/>
+          <a:p>
+            <a:pPr algn="ctr"/>
+            <a:r>
+              <a:rPr kumimoji="1" lang="en-US" altLang="ja-JP" sz="3600" dirty="0" smtClean="0"/>
+              <a:t>Player1</a:t>
+            </a:r>
+            <a:endParaRPr kumimoji="1" lang="ja-JP" altLang="en-US" sz="3600" dirty="0"/>
+          </a:p>
+        </p:txBody>
+      </p:sp>
+      <p:sp>
+        <p:nvSpPr>
+          <p:cNvPr id="6" name="テキスト ボックス 5"/>
+          <p:cNvSpPr txBox="1"/>
+          <p:nvPr/>
+        </p:nvSpPr>
+        <p:spPr>
+          <a:xfrm>
+            <a:off x="2933993" y="2290380"/>
+            <a:ext cx="2641600" cy="584775"/>
+          </a:xfrm>
+          <a:prstGeom prst="rect">
+            <a:avLst/>
+          </a:prstGeom>
+          <a:noFill/>
+          <a:ln>
+            <a:solidFill>
+              <a:schemeClr val="tx1"/>
+            </a:solidFill>
+          </a:ln>
+        </p:spPr>
+        <p:txBody>
+          <a:bodyPr wrap="square" rtlCol="0">
+            <a:spAutoFit/>
+          </a:bodyPr>
+          <a:lstStyle/>
+          <a:p>
+            <a:pPr algn="ctr"/>
+            <a:r>
+              <a:rPr lang="ja-JP" altLang="en-US" sz="3200" dirty="0" smtClean="0"/>
+              <a:t>オセロデータ</a:t>
+            </a:r>
+            <a:endParaRPr kumimoji="1" lang="ja-JP" altLang="en-US" sz="3200" dirty="0"/>
+          </a:p>
+        </p:txBody>
+      </p:sp>
+      <p:cxnSp>
+        <p:nvCxnSpPr>
+          <p:cNvPr id="7" name="直線矢印コネクタ 6"/>
+          <p:cNvCxnSpPr/>
+          <p:nvPr/>
+        </p:nvCxnSpPr>
+        <p:spPr>
+          <a:xfrm flipV="1">
+            <a:off x="1453536" y="2988539"/>
+            <a:ext cx="1364343" cy="1364342"/>
+          </a:xfrm>
+          <a:prstGeom prst="straightConnector1">
+            <a:avLst/>
+          </a:prstGeom>
+          <a:ln w="38100">
+            <a:solidFill>
+              <a:srgbClr val="00B050"/>
+            </a:solidFill>
+            <a:tailEnd type="triangle"/>
+          </a:ln>
+        </p:spPr>
+        <p:style>
+          <a:lnRef idx="1">
+            <a:schemeClr val="accent1"/>
+          </a:lnRef>
+          <a:fillRef idx="0">
+            <a:schemeClr val="accent1"/>
+          </a:fillRef>
+          <a:effectRef idx="0">
+            <a:schemeClr val="accent1"/>
+          </a:effectRef>
+          <a:fontRef idx="minor">
+            <a:schemeClr val="tx1"/>
+          </a:fontRef>
+        </p:style>
+      </p:cxnSp>
+      <p:cxnSp>
+        <p:nvCxnSpPr>
+          <p:cNvPr id="8" name="直線矢印コネクタ 7"/>
+          <p:cNvCxnSpPr/>
+          <p:nvPr/>
+        </p:nvCxnSpPr>
+        <p:spPr>
+          <a:xfrm flipH="1">
+            <a:off x="1826459" y="3057818"/>
+            <a:ext cx="1255954" cy="1297387"/>
+          </a:xfrm>
+          <a:prstGeom prst="straightConnector1">
+            <a:avLst/>
+          </a:prstGeom>
+          <a:ln w="38100">
+            <a:solidFill>
+              <a:srgbClr val="00B050"/>
+            </a:solidFill>
+            <a:tailEnd type="triangle"/>
+          </a:ln>
+        </p:spPr>
+        <p:style>
+          <a:lnRef idx="1">
+            <a:schemeClr val="accent1"/>
+          </a:lnRef>
+          <a:fillRef idx="0">
+            <a:schemeClr val="accent1"/>
+          </a:fillRef>
+          <a:effectRef idx="0">
+            <a:schemeClr val="accent1"/>
+          </a:effectRef>
+          <a:fontRef idx="minor">
+            <a:schemeClr val="tx1"/>
+          </a:fontRef>
+        </p:style>
+      </p:cxnSp>
+      <p:sp>
+        <p:nvSpPr>
+          <p:cNvPr id="9" name="テキスト ボックス 8"/>
+          <p:cNvSpPr txBox="1"/>
+          <p:nvPr/>
+        </p:nvSpPr>
+        <p:spPr>
+          <a:xfrm>
+            <a:off x="1027119" y="5260956"/>
+            <a:ext cx="693175" cy="523220"/>
+          </a:xfrm>
+          <a:prstGeom prst="rect">
+            <a:avLst/>
+          </a:prstGeom>
+          <a:noFill/>
+        </p:spPr>
+        <p:txBody>
+          <a:bodyPr wrap="square" rtlCol="0">
+            <a:spAutoFit/>
+          </a:bodyPr>
+          <a:lstStyle/>
+          <a:p>
+            <a:pPr algn="ctr"/>
+            <a:r>
+              <a:rPr lang="ja-JP" altLang="en-US" sz="2800" dirty="0"/>
+              <a:t>黒</a:t>
+            </a:r>
+            <a:endParaRPr kumimoji="1" lang="ja-JP" altLang="en-US" sz="2800" dirty="0"/>
+          </a:p>
+        </p:txBody>
+      </p:sp>
+      <p:sp>
+        <p:nvSpPr>
+          <p:cNvPr id="10" name="角丸四角形吹き出し 9"/>
+          <p:cNvSpPr/>
+          <p:nvPr/>
+        </p:nvSpPr>
+        <p:spPr>
+          <a:xfrm>
+            <a:off x="6086987" y="1407882"/>
+            <a:ext cx="2481826" cy="3630812"/>
+          </a:xfrm>
+          <a:prstGeom prst="wedgeRoundRectCallout">
+            <a:avLst>
+              <a:gd name="adj1" fmla="val -60288"/>
+              <a:gd name="adj2" fmla="val -21239"/>
+              <a:gd name="adj3" fmla="val 16667"/>
+            </a:avLst>
+          </a:prstGeom>
+          <a:noFill/>
+          <a:ln>
+            <a:solidFill>
+              <a:schemeClr val="tx1"/>
+            </a:solidFill>
+          </a:ln>
+        </p:spPr>
+        <p:style>
+          <a:lnRef idx="2">
+            <a:schemeClr val="accent1">
+              <a:shade val="50000"/>
+            </a:schemeClr>
+          </a:lnRef>
+          <a:fillRef idx="1">
+            <a:schemeClr val="accent1"/>
+          </a:fillRef>
+          <a:effectRef idx="0">
+            <a:schemeClr val="accent1"/>
+          </a:effectRef>
+          <a:fontRef idx="minor">
+            <a:schemeClr val="lt1"/>
+          </a:fontRef>
+        </p:style>
+        <p:txBody>
+          <a:bodyPr rtlCol="0" anchor="ctr"/>
+          <a:lstStyle/>
+          <a:p>
+            <a:pPr algn="ctr"/>
+            <a:endParaRPr kumimoji="1" lang="ja-JP" altLang="en-US"/>
+          </a:p>
+        </p:txBody>
+      </p:sp>
+      <p:sp>
+        <p:nvSpPr>
+          <p:cNvPr id="11" name="テキスト ボックス 10"/>
+          <p:cNvSpPr txBox="1"/>
+          <p:nvPr/>
+        </p:nvSpPr>
+        <p:spPr>
+          <a:xfrm>
+            <a:off x="6627351" y="1792127"/>
+            <a:ext cx="1401097" cy="2862322"/>
+          </a:xfrm>
+          <a:prstGeom prst="rect">
+            <a:avLst/>
+          </a:prstGeom>
+          <a:noFill/>
+        </p:spPr>
+        <p:txBody>
+          <a:bodyPr wrap="square" rtlCol="0">
+            <a:spAutoFit/>
+          </a:bodyPr>
+          <a:lstStyle/>
+          <a:p>
+            <a:r>
+              <a:rPr kumimoji="1" lang="en-US" altLang="ja-JP" sz="2000" dirty="0" smtClean="0"/>
+              <a:t>1</a:t>
+            </a:r>
+          </a:p>
+          <a:p>
+            <a:r>
+              <a:rPr lang="en-US" altLang="ja-JP" sz="2000" dirty="0" smtClean="0"/>
+              <a:t>00000000</a:t>
+            </a:r>
+          </a:p>
+          <a:p>
+            <a:r>
+              <a:rPr kumimoji="1" lang="en-US" altLang="ja-JP" sz="2000" dirty="0" smtClean="0"/>
+              <a:t>00000000</a:t>
+            </a:r>
+          </a:p>
+          <a:p>
+            <a:r>
+              <a:rPr lang="en-US" altLang="ja-JP" sz="2000" dirty="0" smtClean="0"/>
+              <a:t>00000000</a:t>
+            </a:r>
+          </a:p>
+          <a:p>
+            <a:r>
+              <a:rPr kumimoji="1" lang="en-US" altLang="ja-JP" sz="2000" dirty="0" smtClean="0"/>
+              <a:t>00012000</a:t>
+            </a:r>
+          </a:p>
+          <a:p>
+            <a:r>
+              <a:rPr lang="en-US" altLang="ja-JP" sz="2000" dirty="0" smtClean="0"/>
+              <a:t>00021000</a:t>
+            </a:r>
+          </a:p>
+          <a:p>
+            <a:r>
+              <a:rPr kumimoji="1" lang="en-US" altLang="ja-JP" sz="2000" dirty="0" smtClean="0"/>
+              <a:t>00000000</a:t>
+            </a:r>
+          </a:p>
+          <a:p>
+            <a:r>
+              <a:rPr lang="en-US" altLang="ja-JP" sz="2000" dirty="0" smtClean="0"/>
+              <a:t>00000000</a:t>
+            </a:r>
+          </a:p>
+          <a:p>
+            <a:r>
+              <a:rPr kumimoji="1" lang="en-US" altLang="ja-JP" sz="2000" dirty="0" smtClean="0"/>
+              <a:t>00000000</a:t>
+            </a:r>
+          </a:p>
+        </p:txBody>
+      </p:sp>
+      <p:cxnSp>
+        <p:nvCxnSpPr>
+          <p:cNvPr id="13" name="直線矢印コネクタ 12"/>
+          <p:cNvCxnSpPr/>
+          <p:nvPr/>
+        </p:nvCxnSpPr>
+        <p:spPr>
+          <a:xfrm flipH="1">
+            <a:off x="6990736" y="1985777"/>
+            <a:ext cx="1843548" cy="0"/>
+          </a:xfrm>
+          <a:prstGeom prst="straightConnector1">
+            <a:avLst/>
+          </a:prstGeom>
+          <a:ln w="25400">
+            <a:tailEnd type="triangle"/>
+          </a:ln>
+        </p:spPr>
+        <p:style>
+          <a:lnRef idx="1">
+            <a:schemeClr val="accent1"/>
+          </a:lnRef>
+          <a:fillRef idx="0">
+            <a:schemeClr val="accent1"/>
+          </a:fillRef>
+          <a:effectRef idx="0">
+            <a:schemeClr val="accent1"/>
+          </a:effectRef>
+          <a:fontRef idx="minor">
+            <a:schemeClr val="tx1"/>
+          </a:fontRef>
+        </p:style>
+      </p:cxnSp>
+      <p:sp>
+        <p:nvSpPr>
+          <p:cNvPr id="14" name="テキスト ボックス 13"/>
+          <p:cNvSpPr txBox="1"/>
+          <p:nvPr/>
+        </p:nvSpPr>
+        <p:spPr>
+          <a:xfrm>
+            <a:off x="8932198" y="1792127"/>
+            <a:ext cx="1991033" cy="369332"/>
+          </a:xfrm>
+          <a:prstGeom prst="rect">
+            <a:avLst/>
+          </a:prstGeom>
+          <a:noFill/>
+        </p:spPr>
+        <p:txBody>
+          <a:bodyPr wrap="square" rtlCol="0">
+            <a:spAutoFit/>
+          </a:bodyPr>
+          <a:lstStyle/>
+          <a:p>
+            <a:r>
+              <a:rPr kumimoji="1" lang="ja-JP" altLang="en-US" dirty="0" smtClean="0"/>
+              <a:t>今どっちの手か</a:t>
+            </a:r>
+            <a:endParaRPr kumimoji="1" lang="ja-JP" altLang="en-US" dirty="0"/>
+          </a:p>
+        </p:txBody>
+      </p:sp>
+      <p:sp>
+        <p:nvSpPr>
+          <p:cNvPr id="15" name="左中かっこ 14"/>
+          <p:cNvSpPr/>
+          <p:nvPr/>
+        </p:nvSpPr>
+        <p:spPr>
+          <a:xfrm flipH="1">
+            <a:off x="8180644" y="2161459"/>
+            <a:ext cx="422378" cy="2492990"/>
+          </a:xfrm>
+          <a:prstGeom prst="leftBrace">
+            <a:avLst>
+              <a:gd name="adj1" fmla="val 8333"/>
+              <a:gd name="adj2" fmla="val 49408"/>
+            </a:avLst>
+          </a:prstGeom>
+          <a:ln w="25400"/>
+        </p:spPr>
+        <p:style>
+          <a:lnRef idx="1">
+            <a:schemeClr val="accent1"/>
+          </a:lnRef>
+          <a:fillRef idx="0">
+            <a:schemeClr val="accent1"/>
+          </a:fillRef>
+          <a:effectRef idx="0">
+            <a:schemeClr val="accent1"/>
+          </a:effectRef>
+          <a:fontRef idx="minor">
+            <a:schemeClr val="tx1"/>
+          </a:fontRef>
+        </p:style>
+        <p:txBody>
+          <a:bodyPr rtlCol="0" anchor="ctr"/>
+          <a:lstStyle/>
+          <a:p>
+            <a:pPr algn="ctr"/>
+            <a:endParaRPr kumimoji="1" lang="ja-JP" altLang="en-US"/>
+          </a:p>
+        </p:txBody>
+      </p:sp>
+      <p:sp>
+        <p:nvSpPr>
+          <p:cNvPr id="16" name="テキスト ボックス 15"/>
+          <p:cNvSpPr txBox="1"/>
+          <p:nvPr/>
+        </p:nvSpPr>
+        <p:spPr>
+          <a:xfrm>
+            <a:off x="8834284" y="3032132"/>
+            <a:ext cx="1991033" cy="707886"/>
+          </a:xfrm>
+          <a:prstGeom prst="rect">
+            <a:avLst/>
+          </a:prstGeom>
+          <a:noFill/>
+        </p:spPr>
+        <p:txBody>
+          <a:bodyPr wrap="square" rtlCol="0">
+            <a:spAutoFit/>
+          </a:bodyPr>
+          <a:lstStyle/>
+          <a:p>
+            <a:r>
+              <a:rPr lang="ja-JP" altLang="en-US" sz="2000" dirty="0"/>
+              <a:t>オセロ</a:t>
+            </a:r>
+            <a:r>
+              <a:rPr lang="ja-JP" altLang="en-US" sz="2000" dirty="0" smtClean="0"/>
+              <a:t>の石のデータ（８</a:t>
+            </a:r>
+            <a:r>
+              <a:rPr lang="en-US" altLang="ja-JP" sz="2000" dirty="0" smtClean="0"/>
+              <a:t>×</a:t>
+            </a:r>
+            <a:r>
+              <a:rPr lang="ja-JP" altLang="en-US" sz="2000" dirty="0" smtClean="0"/>
+              <a:t>８）</a:t>
+            </a:r>
+            <a:endParaRPr kumimoji="1" lang="ja-JP" altLang="en-US" sz="2000" dirty="0"/>
+          </a:p>
+        </p:txBody>
+      </p:sp>
+      <p:sp>
+        <p:nvSpPr>
+          <p:cNvPr id="17" name="テキスト ボックス 16"/>
+          <p:cNvSpPr txBox="1"/>
+          <p:nvPr/>
+        </p:nvSpPr>
+        <p:spPr>
+          <a:xfrm>
+            <a:off x="8949609" y="4460737"/>
+            <a:ext cx="1956210" cy="1323439"/>
+          </a:xfrm>
+          <a:prstGeom prst="rect">
+            <a:avLst/>
+          </a:prstGeom>
+          <a:noFill/>
+        </p:spPr>
+        <p:txBody>
+          <a:bodyPr wrap="square" rtlCol="0">
+            <a:spAutoFit/>
+          </a:bodyPr>
+          <a:lstStyle/>
+          <a:p>
+            <a:r>
+              <a:rPr kumimoji="1" lang="ja-JP" altLang="en-US" sz="2000" dirty="0" smtClean="0"/>
+              <a:t>石のデータ</a:t>
+            </a:r>
+            <a:endParaRPr kumimoji="1" lang="en-US" altLang="ja-JP" sz="2000" dirty="0" smtClean="0"/>
+          </a:p>
+          <a:p>
+            <a:r>
+              <a:rPr lang="en-US" altLang="ja-JP" sz="2000" dirty="0" smtClean="0"/>
+              <a:t>0</a:t>
+            </a:r>
+            <a:r>
+              <a:rPr lang="ja-JP" altLang="en-US" sz="2000" dirty="0" smtClean="0"/>
+              <a:t>：空</a:t>
+            </a:r>
+            <a:endParaRPr lang="en-US" altLang="ja-JP" sz="2000" dirty="0" smtClean="0"/>
+          </a:p>
+          <a:p>
+            <a:r>
+              <a:rPr kumimoji="1" lang="en-US" altLang="ja-JP" sz="2000" dirty="0" smtClean="0"/>
+              <a:t>1</a:t>
+            </a:r>
+            <a:r>
+              <a:rPr kumimoji="1" lang="ja-JP" altLang="en-US" sz="2000" dirty="0" smtClean="0"/>
+              <a:t>：白</a:t>
+            </a:r>
+            <a:endParaRPr kumimoji="1" lang="en-US" altLang="ja-JP" sz="2000" dirty="0" smtClean="0"/>
+          </a:p>
+          <a:p>
+            <a:r>
+              <a:rPr lang="en-US" altLang="ja-JP" sz="2000" dirty="0" smtClean="0"/>
+              <a:t>2</a:t>
+            </a:r>
+            <a:r>
+              <a:rPr lang="ja-JP" altLang="en-US" sz="2000" dirty="0" smtClean="0"/>
+              <a:t>：黒</a:t>
+            </a:r>
+            <a:endParaRPr kumimoji="1" lang="ja-JP" altLang="en-US" sz="2000" dirty="0"/>
+          </a:p>
+        </p:txBody>
+      </p:sp>
+      <p:sp>
+        <p:nvSpPr>
+          <p:cNvPr id="18" name="テキスト ボックス 17"/>
+          <p:cNvSpPr txBox="1"/>
+          <p:nvPr/>
+        </p:nvSpPr>
+        <p:spPr>
+          <a:xfrm>
+            <a:off x="6217164" y="5192106"/>
+            <a:ext cx="2055351" cy="461665"/>
+          </a:xfrm>
+          <a:prstGeom prst="rect">
+            <a:avLst/>
+          </a:prstGeom>
+          <a:noFill/>
+        </p:spPr>
+        <p:txBody>
+          <a:bodyPr wrap="square" rtlCol="0">
+            <a:spAutoFit/>
+          </a:bodyPr>
+          <a:lstStyle/>
+          <a:p>
+            <a:r>
+              <a:rPr lang="en-US" altLang="ja-JP" sz="2400" dirty="0"/>
+              <a:t>g</a:t>
+            </a:r>
+            <a:r>
+              <a:rPr kumimoji="1" lang="en-US" altLang="ja-JP" sz="2400" dirty="0" smtClean="0"/>
+              <a:t>amefield.dat</a:t>
+            </a:r>
+            <a:endParaRPr kumimoji="1" lang="ja-JP" altLang="en-US" sz="2400" dirty="0"/>
+          </a:p>
+        </p:txBody>
+      </p:sp>
+      <p:sp>
+        <p:nvSpPr>
+          <p:cNvPr id="19" name="テキスト ボックス 18"/>
+          <p:cNvSpPr txBox="1"/>
+          <p:nvPr/>
+        </p:nvSpPr>
+        <p:spPr>
+          <a:xfrm>
+            <a:off x="4727936" y="5857266"/>
+            <a:ext cx="2978456" cy="707886"/>
+          </a:xfrm>
+          <a:prstGeom prst="rect">
+            <a:avLst/>
+          </a:prstGeom>
+          <a:noFill/>
+        </p:spPr>
+        <p:txBody>
+          <a:bodyPr wrap="square" rtlCol="0">
+            <a:spAutoFit/>
+          </a:bodyPr>
+          <a:lstStyle/>
+          <a:p>
+            <a:r>
+              <a:rPr kumimoji="1" lang="ja-JP" altLang="en-US" sz="2000" dirty="0" smtClean="0"/>
+              <a:t>どっちがどこに石を置いたかだけ分かれば十分？</a:t>
+            </a:r>
+            <a:endParaRPr kumimoji="1" lang="ja-JP" altLang="en-US" sz="2000" dirty="0"/>
+          </a:p>
+        </p:txBody>
+      </p:sp>
+    </p:spTree>
+    <p:extLst>
+      <p:ext uri="{BB962C8B-B14F-4D97-AF65-F5344CB8AC3E}">
+        <p14:creationId xmlns:p14="http://schemas.microsoft.com/office/powerpoint/2010/main" val="1211445008"/>
       </p:ext>
     </p:extLst>
   </p:cSld>

--- a/design/ゲームシステム.pptx
+++ b/design/ゲームシステム.pptx
@@ -5,12 +5,14 @@
     <p:sldMasterId id="2147483648" r:id="rId1"/>
   </p:sldMasterIdLst>
   <p:notesMasterIdLst>
-    <p:notesMasterId r:id="rId5"/>
+    <p:notesMasterId r:id="rId7"/>
   </p:notesMasterIdLst>
   <p:sldIdLst>
     <p:sldId id="256" r:id="rId2"/>
     <p:sldId id="257" r:id="rId3"/>
     <p:sldId id="258" r:id="rId4"/>
+    <p:sldId id="259" r:id="rId5"/>
+    <p:sldId id="260" r:id="rId6"/>
   </p:sldIdLst>
   <p:sldSz cx="12192000" cy="6858000"/>
   <p:notesSz cx="6858000" cy="9144000"/>
@@ -199,7 +201,7 @@
           <a:p>
             <a:fld id="{C1D057B1-392F-4EA3-A98E-DCD6DB5AF2D7}" type="datetimeFigureOut">
               <a:rPr kumimoji="1" lang="ja-JP" altLang="en-US" smtClean="0"/>
-              <a:t>2014/1/16</a:t>
+              <a:t>2014/2/13</a:t>
             </a:fld>
             <a:endParaRPr kumimoji="1" lang="ja-JP" altLang="en-US"/>
           </a:p>
@@ -794,6 +796,94 @@
 </p:notes>
 </file>
 
+<file path=ppt/notesSlides/notesSlide4.xml><?xml version="1.0" encoding="utf-8"?>
+<p:notes xmlns:a="http://schemas.openxmlformats.org/drawingml/2006/main" xmlns:r="http://schemas.openxmlformats.org/officeDocument/2006/relationships" xmlns:p="http://schemas.openxmlformats.org/presentationml/2006/main">
+  <p:cSld>
+    <p:spTree>
+      <p:nvGrpSpPr>
+        <p:cNvPr id="1" name=""/>
+        <p:cNvGrpSpPr/>
+        <p:nvPr/>
+      </p:nvGrpSpPr>
+      <p:grpSpPr>
+        <a:xfrm>
+          <a:off x="0" y="0"/>
+          <a:ext cx="0" cy="0"/>
+          <a:chOff x="0" y="0"/>
+          <a:chExt cx="0" cy="0"/>
+        </a:xfrm>
+      </p:grpSpPr>
+      <p:sp>
+        <p:nvSpPr>
+          <p:cNvPr id="2" name="スライド イメージ プレースホルダー 1"/>
+          <p:cNvSpPr>
+            <a:spLocks noGrp="1" noRot="1" noChangeAspect="1"/>
+          </p:cNvSpPr>
+          <p:nvPr>
+            <p:ph type="sldImg"/>
+          </p:nvPr>
+        </p:nvSpPr>
+        <p:spPr/>
+      </p:sp>
+      <p:sp>
+        <p:nvSpPr>
+          <p:cNvPr id="3" name="ノート プレースホルダー 2"/>
+          <p:cNvSpPr>
+            <a:spLocks noGrp="1"/>
+          </p:cNvSpPr>
+          <p:nvPr>
+            <p:ph type="body" idx="1"/>
+          </p:nvPr>
+        </p:nvSpPr>
+        <p:spPr/>
+        <p:txBody>
+          <a:bodyPr/>
+          <a:lstStyle/>
+          <a:p>
+            <a:r>
+              <a:rPr kumimoji="1" lang="ja-JP" altLang="en-US" smtClean="0"/>
+              <a:t>石を置く側と待機側に分かれている。</a:t>
+            </a:r>
+            <a:endParaRPr kumimoji="1" lang="ja-JP" altLang="en-US"/>
+          </a:p>
+        </p:txBody>
+      </p:sp>
+      <p:sp>
+        <p:nvSpPr>
+          <p:cNvPr id="4" name="スライド番号プレースホルダー 3"/>
+          <p:cNvSpPr>
+            <a:spLocks noGrp="1"/>
+          </p:cNvSpPr>
+          <p:nvPr>
+            <p:ph type="sldNum" sz="quarter" idx="10"/>
+          </p:nvPr>
+        </p:nvSpPr>
+        <p:spPr/>
+        <p:txBody>
+          <a:bodyPr/>
+          <a:lstStyle/>
+          <a:p>
+            <a:fld id="{0384B56B-5CA1-4B73-9B92-65F8C9E4633A}" type="slidenum">
+              <a:rPr kumimoji="1" lang="ja-JP" altLang="en-US" smtClean="0"/>
+              <a:t>4</a:t>
+            </a:fld>
+            <a:endParaRPr kumimoji="1" lang="ja-JP" altLang="en-US"/>
+          </a:p>
+        </p:txBody>
+      </p:sp>
+    </p:spTree>
+    <p:extLst>
+      <p:ext uri="{BB962C8B-B14F-4D97-AF65-F5344CB8AC3E}">
+        <p14:creationId xmlns:p14="http://schemas.microsoft.com/office/powerpoint/2010/main" val="1666012708"/>
+      </p:ext>
+    </p:extLst>
+  </p:cSld>
+  <p:clrMapOvr>
+    <a:masterClrMapping/>
+  </p:clrMapOvr>
+</p:notes>
+</file>
+
 <file path=ppt/slideLayouts/slideLayout1.xml><?xml version="1.0" encoding="utf-8"?>
 <p:sldLayout xmlns:a="http://schemas.openxmlformats.org/drawingml/2006/main" xmlns:r="http://schemas.openxmlformats.org/officeDocument/2006/relationships" xmlns:p="http://schemas.openxmlformats.org/presentationml/2006/main" type="title" preserve="1">
   <p:cSld name="タイトル スライド">
@@ -925,7 +1015,7 @@
           <a:p>
             <a:fld id="{DB526660-F677-44CC-876D-331CADDE51A8}" type="datetimeFigureOut">
               <a:rPr kumimoji="1" lang="ja-JP" altLang="en-US" smtClean="0"/>
-              <a:t>2014/1/16</a:t>
+              <a:t>2014/2/13</a:t>
             </a:fld>
             <a:endParaRPr kumimoji="1" lang="ja-JP" altLang="en-US"/>
           </a:p>
@@ -1127,7 +1217,7 @@
           <a:p>
             <a:fld id="{DB526660-F677-44CC-876D-331CADDE51A8}" type="datetimeFigureOut">
               <a:rPr kumimoji="1" lang="ja-JP" altLang="en-US" smtClean="0"/>
-              <a:t>2014/1/16</a:t>
+              <a:t>2014/2/13</a:t>
             </a:fld>
             <a:endParaRPr kumimoji="1" lang="ja-JP" altLang="en-US"/>
           </a:p>
@@ -1339,7 +1429,7 @@
           <a:p>
             <a:fld id="{DB526660-F677-44CC-876D-331CADDE51A8}" type="datetimeFigureOut">
               <a:rPr kumimoji="1" lang="ja-JP" altLang="en-US" smtClean="0"/>
-              <a:t>2014/1/16</a:t>
+              <a:t>2014/2/13</a:t>
             </a:fld>
             <a:endParaRPr kumimoji="1" lang="ja-JP" altLang="en-US"/>
           </a:p>
@@ -1541,7 +1631,7 @@
           <a:p>
             <a:fld id="{DB526660-F677-44CC-876D-331CADDE51A8}" type="datetimeFigureOut">
               <a:rPr kumimoji="1" lang="ja-JP" altLang="en-US" smtClean="0"/>
-              <a:t>2014/1/16</a:t>
+              <a:t>2014/2/13</a:t>
             </a:fld>
             <a:endParaRPr kumimoji="1" lang="ja-JP" altLang="en-US"/>
           </a:p>
@@ -1787,7 +1877,7 @@
           <a:p>
             <a:fld id="{DB526660-F677-44CC-876D-331CADDE51A8}" type="datetimeFigureOut">
               <a:rPr kumimoji="1" lang="ja-JP" altLang="en-US" smtClean="0"/>
-              <a:t>2014/1/16</a:t>
+              <a:t>2014/2/13</a:t>
             </a:fld>
             <a:endParaRPr kumimoji="1" lang="ja-JP" altLang="en-US"/>
           </a:p>
@@ -2083,7 +2173,7 @@
           <a:p>
             <a:fld id="{DB526660-F677-44CC-876D-331CADDE51A8}" type="datetimeFigureOut">
               <a:rPr kumimoji="1" lang="ja-JP" altLang="en-US" smtClean="0"/>
-              <a:t>2014/1/16</a:t>
+              <a:t>2014/2/13</a:t>
             </a:fld>
             <a:endParaRPr kumimoji="1" lang="ja-JP" altLang="en-US"/>
           </a:p>
@@ -2514,7 +2604,7 @@
           <a:p>
             <a:fld id="{DB526660-F677-44CC-876D-331CADDE51A8}" type="datetimeFigureOut">
               <a:rPr kumimoji="1" lang="ja-JP" altLang="en-US" smtClean="0"/>
-              <a:t>2014/1/16</a:t>
+              <a:t>2014/2/13</a:t>
             </a:fld>
             <a:endParaRPr kumimoji="1" lang="ja-JP" altLang="en-US"/>
           </a:p>
@@ -2632,7 +2722,7 @@
           <a:p>
             <a:fld id="{DB526660-F677-44CC-876D-331CADDE51A8}" type="datetimeFigureOut">
               <a:rPr kumimoji="1" lang="ja-JP" altLang="en-US" smtClean="0"/>
-              <a:t>2014/1/16</a:t>
+              <a:t>2014/2/13</a:t>
             </a:fld>
             <a:endParaRPr kumimoji="1" lang="ja-JP" altLang="en-US"/>
           </a:p>
@@ -2727,7 +2817,7 @@
           <a:p>
             <a:fld id="{DB526660-F677-44CC-876D-331CADDE51A8}" type="datetimeFigureOut">
               <a:rPr kumimoji="1" lang="ja-JP" altLang="en-US" smtClean="0"/>
-              <a:t>2014/1/16</a:t>
+              <a:t>2014/2/13</a:t>
             </a:fld>
             <a:endParaRPr kumimoji="1" lang="ja-JP" altLang="en-US"/>
           </a:p>
@@ -3036,7 +3126,7 @@
           <a:p>
             <a:fld id="{DB526660-F677-44CC-876D-331CADDE51A8}" type="datetimeFigureOut">
               <a:rPr kumimoji="1" lang="ja-JP" altLang="en-US" smtClean="0"/>
-              <a:t>2014/1/16</a:t>
+              <a:t>2014/2/13</a:t>
             </a:fld>
             <a:endParaRPr kumimoji="1" lang="ja-JP" altLang="en-US"/>
           </a:p>
@@ -3289,7 +3379,7 @@
           <a:p>
             <a:fld id="{DB526660-F677-44CC-876D-331CADDE51A8}" type="datetimeFigureOut">
               <a:rPr kumimoji="1" lang="ja-JP" altLang="en-US" smtClean="0"/>
-              <a:t>2014/1/16</a:t>
+              <a:t>2014/2/13</a:t>
             </a:fld>
             <a:endParaRPr kumimoji="1" lang="ja-JP" altLang="en-US"/>
           </a:p>
@@ -3534,7 +3624,7 @@
           <a:p>
             <a:fld id="{DB526660-F677-44CC-876D-331CADDE51A8}" type="datetimeFigureOut">
               <a:rPr kumimoji="1" lang="ja-JP" altLang="en-US" smtClean="0"/>
-              <a:t>2014/1/16</a:t>
+              <a:t>2014/2/13</a:t>
             </a:fld>
             <a:endParaRPr kumimoji="1" lang="ja-JP" altLang="en-US"/>
           </a:p>
@@ -6125,6 +6215,2040 @@
     <p:extLst>
       <p:ext uri="{BB962C8B-B14F-4D97-AF65-F5344CB8AC3E}">
         <p14:creationId xmlns:p14="http://schemas.microsoft.com/office/powerpoint/2010/main" val="1211445008"/>
+      </p:ext>
+    </p:extLst>
+  </p:cSld>
+  <p:clrMapOvr>
+    <a:masterClrMapping/>
+  </p:clrMapOvr>
+</p:sld>
+</file>
+
+<file path=ppt/slides/slide4.xml><?xml version="1.0" encoding="utf-8"?>
+<p:sld xmlns:a="http://schemas.openxmlformats.org/drawingml/2006/main" xmlns:r="http://schemas.openxmlformats.org/officeDocument/2006/relationships" xmlns:p="http://schemas.openxmlformats.org/presentationml/2006/main">
+  <p:cSld>
+    <p:spTree>
+      <p:nvGrpSpPr>
+        <p:cNvPr id="1" name=""/>
+        <p:cNvGrpSpPr/>
+        <p:nvPr/>
+      </p:nvGrpSpPr>
+      <p:grpSpPr>
+        <a:xfrm>
+          <a:off x="0" y="0"/>
+          <a:ext cx="0" cy="0"/>
+          <a:chOff x="0" y="0"/>
+          <a:chExt cx="0" cy="0"/>
+        </a:xfrm>
+      </p:grpSpPr>
+      <p:sp>
+        <p:nvSpPr>
+          <p:cNvPr id="2" name="テキスト ボックス 1"/>
+          <p:cNvSpPr txBox="1"/>
+          <p:nvPr/>
+        </p:nvSpPr>
+        <p:spPr>
+          <a:xfrm>
+            <a:off x="2499031" y="0"/>
+            <a:ext cx="7588865" cy="830997"/>
+          </a:xfrm>
+          <a:prstGeom prst="rect">
+            <a:avLst/>
+          </a:prstGeom>
+          <a:noFill/>
+        </p:spPr>
+        <p:txBody>
+          <a:bodyPr wrap="square" rtlCol="0">
+            <a:spAutoFit/>
+          </a:bodyPr>
+          <a:lstStyle/>
+          <a:p>
+            <a:pPr algn="ctr"/>
+            <a:r>
+              <a:rPr kumimoji="1" lang="ja-JP" altLang="en-US" sz="4800" b="1" dirty="0" smtClean="0">
+                <a:solidFill>
+                  <a:srgbClr val="7030A0"/>
+                </a:solidFill>
+              </a:rPr>
+              <a:t>オセロの</a:t>
+            </a:r>
+            <a:r>
+              <a:rPr lang="ja-JP" altLang="en-US" sz="4800" b="1" dirty="0" smtClean="0">
+                <a:solidFill>
+                  <a:srgbClr val="7030A0"/>
+                </a:solidFill>
+              </a:rPr>
+              <a:t>アルゴリズム</a:t>
+            </a:r>
+            <a:r>
+              <a:rPr lang="en-US" altLang="ja-JP" sz="4800" b="1" dirty="0" smtClean="0">
+                <a:solidFill>
+                  <a:srgbClr val="7030A0"/>
+                </a:solidFill>
+              </a:rPr>
+              <a:t>(1)</a:t>
+            </a:r>
+            <a:endParaRPr kumimoji="1" lang="ja-JP" altLang="en-US" sz="4800" b="1" dirty="0">
+              <a:solidFill>
+                <a:srgbClr val="7030A0"/>
+              </a:solidFill>
+            </a:endParaRPr>
+          </a:p>
+        </p:txBody>
+      </p:sp>
+      <p:sp>
+        <p:nvSpPr>
+          <p:cNvPr id="5" name="テキスト ボックス 4"/>
+          <p:cNvSpPr txBox="1"/>
+          <p:nvPr/>
+        </p:nvSpPr>
+        <p:spPr>
+          <a:xfrm>
+            <a:off x="1331097" y="1786840"/>
+            <a:ext cx="2542343" cy="523220"/>
+          </a:xfrm>
+          <a:prstGeom prst="rect">
+            <a:avLst/>
+          </a:prstGeom>
+          <a:noFill/>
+          <a:ln>
+            <a:solidFill>
+              <a:schemeClr val="tx1"/>
+            </a:solidFill>
+          </a:ln>
+        </p:spPr>
+        <p:txBody>
+          <a:bodyPr wrap="square" rtlCol="0">
+            <a:spAutoFit/>
+          </a:bodyPr>
+          <a:lstStyle/>
+          <a:p>
+            <a:pPr algn="ctr"/>
+            <a:r>
+              <a:rPr kumimoji="1" lang="ja-JP" altLang="en-US" sz="2800" dirty="0" smtClean="0"/>
+              <a:t>置く場所を選択</a:t>
+            </a:r>
+            <a:endParaRPr kumimoji="1" lang="ja-JP" altLang="en-US" sz="2800" dirty="0"/>
+          </a:p>
+        </p:txBody>
+      </p:sp>
+      <p:sp>
+        <p:nvSpPr>
+          <p:cNvPr id="6" name="テキスト ボックス 5"/>
+          <p:cNvSpPr txBox="1"/>
+          <p:nvPr/>
+        </p:nvSpPr>
+        <p:spPr>
+          <a:xfrm>
+            <a:off x="1513463" y="3789258"/>
+            <a:ext cx="2252292" cy="523220"/>
+          </a:xfrm>
+          <a:prstGeom prst="rect">
+            <a:avLst/>
+          </a:prstGeom>
+          <a:noFill/>
+          <a:ln>
+            <a:solidFill>
+              <a:schemeClr val="tx1"/>
+            </a:solidFill>
+          </a:ln>
+        </p:spPr>
+        <p:txBody>
+          <a:bodyPr wrap="square" rtlCol="0">
+            <a:spAutoFit/>
+          </a:bodyPr>
+          <a:lstStyle/>
+          <a:p>
+            <a:pPr algn="ctr"/>
+            <a:r>
+              <a:rPr lang="ja-JP" altLang="en-US" sz="2800" dirty="0" smtClean="0"/>
+              <a:t>データを送る</a:t>
+            </a:r>
+            <a:endParaRPr kumimoji="1" lang="ja-JP" altLang="en-US" sz="2800" dirty="0"/>
+          </a:p>
+        </p:txBody>
+      </p:sp>
+      <p:sp>
+        <p:nvSpPr>
+          <p:cNvPr id="7" name="テキスト ボックス 6"/>
+          <p:cNvSpPr txBox="1"/>
+          <p:nvPr/>
+        </p:nvSpPr>
+        <p:spPr>
+          <a:xfrm>
+            <a:off x="7899045" y="1886335"/>
+            <a:ext cx="2748819" cy="1077218"/>
+          </a:xfrm>
+          <a:prstGeom prst="rect">
+            <a:avLst/>
+          </a:prstGeom>
+          <a:noFill/>
+          <a:ln>
+            <a:solidFill>
+              <a:schemeClr val="tx1"/>
+            </a:solidFill>
+          </a:ln>
+        </p:spPr>
+        <p:txBody>
+          <a:bodyPr wrap="square" rtlCol="0">
+            <a:spAutoFit/>
+          </a:bodyPr>
+          <a:lstStyle/>
+          <a:p>
+            <a:pPr algn="ctr"/>
+            <a:r>
+              <a:rPr lang="en-US" altLang="ja-JP" sz="3200" dirty="0" smtClean="0"/>
+              <a:t>idle</a:t>
+            </a:r>
+          </a:p>
+          <a:p>
+            <a:pPr algn="ctr"/>
+            <a:r>
+              <a:rPr lang="ja-JP" altLang="en-US" sz="3200" dirty="0" smtClean="0"/>
+              <a:t>（変更待ち）</a:t>
+            </a:r>
+            <a:endParaRPr lang="en-US" altLang="ja-JP" sz="3200" dirty="0" smtClean="0"/>
+          </a:p>
+        </p:txBody>
+      </p:sp>
+      <p:grpSp>
+        <p:nvGrpSpPr>
+          <p:cNvPr id="10" name="グループ化 9"/>
+          <p:cNvGrpSpPr/>
+          <p:nvPr/>
+        </p:nvGrpSpPr>
+        <p:grpSpPr>
+          <a:xfrm>
+            <a:off x="8504199" y="3696993"/>
+            <a:ext cx="1538514" cy="677552"/>
+            <a:chOff x="7250587" y="3118767"/>
+            <a:chExt cx="1185490" cy="677552"/>
+          </a:xfrm>
+        </p:grpSpPr>
+        <p:sp>
+          <p:nvSpPr>
+            <p:cNvPr id="8" name="円/楕円 7"/>
+            <p:cNvSpPr/>
+            <p:nvPr/>
+          </p:nvSpPr>
+          <p:spPr>
+            <a:xfrm>
+              <a:off x="7250587" y="3210898"/>
+              <a:ext cx="1185490" cy="585421"/>
+            </a:xfrm>
+            <a:prstGeom prst="ellipse">
+              <a:avLst/>
+            </a:prstGeom>
+            <a:noFill/>
+            <a:ln w="25400">
+              <a:solidFill>
+                <a:schemeClr val="tx1"/>
+              </a:solidFill>
+            </a:ln>
+          </p:spPr>
+          <p:style>
+            <a:lnRef idx="2">
+              <a:schemeClr val="accent1">
+                <a:shade val="50000"/>
+              </a:schemeClr>
+            </a:lnRef>
+            <a:fillRef idx="1">
+              <a:schemeClr val="accent1"/>
+            </a:fillRef>
+            <a:effectRef idx="0">
+              <a:schemeClr val="accent1"/>
+            </a:effectRef>
+            <a:fontRef idx="minor">
+              <a:schemeClr val="lt1"/>
+            </a:fontRef>
+          </p:style>
+          <p:txBody>
+            <a:bodyPr rtlCol="0" anchor="ctr"/>
+            <a:lstStyle/>
+            <a:p>
+              <a:pPr algn="ctr"/>
+              <a:endParaRPr kumimoji="1" lang="ja-JP" altLang="en-US"/>
+            </a:p>
+          </p:txBody>
+        </p:sp>
+        <p:sp>
+          <p:nvSpPr>
+            <p:cNvPr id="9" name="テキスト ボックス 8"/>
+            <p:cNvSpPr txBox="1"/>
+            <p:nvPr/>
+          </p:nvSpPr>
+          <p:spPr>
+            <a:xfrm>
+              <a:off x="7250587" y="3118767"/>
+              <a:ext cx="1185490" cy="646331"/>
+            </a:xfrm>
+            <a:prstGeom prst="rect">
+              <a:avLst/>
+            </a:prstGeom>
+            <a:noFill/>
+          </p:spPr>
+          <p:txBody>
+            <a:bodyPr wrap="square" rtlCol="0">
+              <a:spAutoFit/>
+            </a:bodyPr>
+            <a:lstStyle/>
+            <a:p>
+              <a:pPr algn="ctr"/>
+              <a:r>
+                <a:rPr kumimoji="1" lang="en-US" altLang="ja-JP" sz="3600" dirty="0" smtClean="0"/>
+                <a:t>get</a:t>
+              </a:r>
+              <a:endParaRPr kumimoji="1" lang="ja-JP" altLang="en-US" sz="3600" dirty="0"/>
+            </a:p>
+          </p:txBody>
+        </p:sp>
+      </p:grpSp>
+      <p:sp>
+        <p:nvSpPr>
+          <p:cNvPr id="11" name="テキスト ボックス 10"/>
+          <p:cNvSpPr txBox="1"/>
+          <p:nvPr/>
+        </p:nvSpPr>
+        <p:spPr>
+          <a:xfrm>
+            <a:off x="5286944" y="3789124"/>
+            <a:ext cx="1696065" cy="523220"/>
+          </a:xfrm>
+          <a:prstGeom prst="rect">
+            <a:avLst/>
+          </a:prstGeom>
+          <a:noFill/>
+          <a:ln>
+            <a:solidFill>
+              <a:schemeClr val="tx1"/>
+            </a:solidFill>
+          </a:ln>
+        </p:spPr>
+        <p:txBody>
+          <a:bodyPr wrap="square" rtlCol="0">
+            <a:spAutoFit/>
+          </a:bodyPr>
+          <a:lstStyle/>
+          <a:p>
+            <a:pPr algn="ctr"/>
+            <a:r>
+              <a:rPr kumimoji="1" lang="ja-JP" altLang="en-US" sz="2800" dirty="0" smtClean="0"/>
+              <a:t>サーバー</a:t>
+            </a:r>
+            <a:endParaRPr kumimoji="1" lang="ja-JP" altLang="en-US" sz="2800" dirty="0"/>
+          </a:p>
+        </p:txBody>
+      </p:sp>
+      <p:cxnSp>
+        <p:nvCxnSpPr>
+          <p:cNvPr id="13" name="直線矢印コネクタ 12"/>
+          <p:cNvCxnSpPr/>
+          <p:nvPr/>
+        </p:nvCxnSpPr>
+        <p:spPr>
+          <a:xfrm>
+            <a:off x="4055806" y="4020158"/>
+            <a:ext cx="988142" cy="0"/>
+          </a:xfrm>
+          <a:prstGeom prst="straightConnector1">
+            <a:avLst/>
+          </a:prstGeom>
+          <a:ln w="38100">
+            <a:tailEnd type="triangle"/>
+          </a:ln>
+        </p:spPr>
+        <p:style>
+          <a:lnRef idx="1">
+            <a:schemeClr val="accent1"/>
+          </a:lnRef>
+          <a:fillRef idx="0">
+            <a:schemeClr val="accent1"/>
+          </a:fillRef>
+          <a:effectRef idx="0">
+            <a:schemeClr val="accent1"/>
+          </a:effectRef>
+          <a:fontRef idx="minor">
+            <a:schemeClr val="tx1"/>
+          </a:fontRef>
+        </p:style>
+      </p:cxnSp>
+      <p:cxnSp>
+        <p:nvCxnSpPr>
+          <p:cNvPr id="14" name="直線矢印コネクタ 13"/>
+          <p:cNvCxnSpPr/>
+          <p:nvPr/>
+        </p:nvCxnSpPr>
+        <p:spPr>
+          <a:xfrm>
+            <a:off x="7216877" y="4020158"/>
+            <a:ext cx="988142" cy="0"/>
+          </a:xfrm>
+          <a:prstGeom prst="straightConnector1">
+            <a:avLst/>
+          </a:prstGeom>
+          <a:ln w="38100">
+            <a:tailEnd type="triangle"/>
+          </a:ln>
+        </p:spPr>
+        <p:style>
+          <a:lnRef idx="1">
+            <a:schemeClr val="accent1"/>
+          </a:lnRef>
+          <a:fillRef idx="0">
+            <a:schemeClr val="accent1"/>
+          </a:fillRef>
+          <a:effectRef idx="0">
+            <a:schemeClr val="accent1"/>
+          </a:effectRef>
+          <a:fontRef idx="minor">
+            <a:schemeClr val="tx1"/>
+          </a:fontRef>
+        </p:style>
+      </p:cxnSp>
+      <p:sp>
+        <p:nvSpPr>
+          <p:cNvPr id="15" name="テキスト ボックス 14"/>
+          <p:cNvSpPr txBox="1"/>
+          <p:nvPr/>
+        </p:nvSpPr>
+        <p:spPr>
+          <a:xfrm>
+            <a:off x="1199826" y="2851653"/>
+            <a:ext cx="2804886" cy="523220"/>
+          </a:xfrm>
+          <a:prstGeom prst="rect">
+            <a:avLst/>
+          </a:prstGeom>
+          <a:noFill/>
+          <a:ln>
+            <a:solidFill>
+              <a:schemeClr val="tx1"/>
+            </a:solidFill>
+          </a:ln>
+        </p:spPr>
+        <p:txBody>
+          <a:bodyPr wrap="square" rtlCol="0">
+            <a:spAutoFit/>
+          </a:bodyPr>
+          <a:lstStyle/>
+          <a:p>
+            <a:pPr algn="ctr"/>
+            <a:r>
+              <a:rPr kumimoji="1" lang="ja-JP" altLang="en-US" sz="2800" dirty="0" smtClean="0"/>
+              <a:t>その場所に設置</a:t>
+            </a:r>
+            <a:endParaRPr kumimoji="1" lang="ja-JP" altLang="en-US" sz="2800" dirty="0"/>
+          </a:p>
+        </p:txBody>
+      </p:sp>
+      <p:sp>
+        <p:nvSpPr>
+          <p:cNvPr id="16" name="テキスト ボックス 15"/>
+          <p:cNvSpPr txBox="1"/>
+          <p:nvPr/>
+        </p:nvSpPr>
+        <p:spPr>
+          <a:xfrm>
+            <a:off x="7974252" y="4980337"/>
+            <a:ext cx="2804886" cy="523220"/>
+          </a:xfrm>
+          <a:prstGeom prst="rect">
+            <a:avLst/>
+          </a:prstGeom>
+          <a:noFill/>
+          <a:ln>
+            <a:solidFill>
+              <a:schemeClr val="tx1"/>
+            </a:solidFill>
+          </a:ln>
+        </p:spPr>
+        <p:txBody>
+          <a:bodyPr wrap="square" rtlCol="0">
+            <a:spAutoFit/>
+          </a:bodyPr>
+          <a:lstStyle/>
+          <a:p>
+            <a:pPr algn="ctr"/>
+            <a:r>
+              <a:rPr kumimoji="1" lang="ja-JP" altLang="en-US" sz="2800" dirty="0" smtClean="0"/>
+              <a:t>その場所に設置</a:t>
+            </a:r>
+            <a:endParaRPr kumimoji="1" lang="ja-JP" altLang="en-US" sz="2800" dirty="0"/>
+          </a:p>
+        </p:txBody>
+      </p:sp>
+      <p:sp>
+        <p:nvSpPr>
+          <p:cNvPr id="17" name="テキスト ボックス 16"/>
+          <p:cNvSpPr txBox="1"/>
+          <p:nvPr/>
+        </p:nvSpPr>
+        <p:spPr>
+          <a:xfrm>
+            <a:off x="2016078" y="830997"/>
+            <a:ext cx="1247060" cy="584775"/>
+          </a:xfrm>
+          <a:prstGeom prst="rect">
+            <a:avLst/>
+          </a:prstGeom>
+          <a:noFill/>
+        </p:spPr>
+        <p:txBody>
+          <a:bodyPr wrap="square" rtlCol="0">
+            <a:spAutoFit/>
+          </a:bodyPr>
+          <a:lstStyle/>
+          <a:p>
+            <a:pPr algn="ctr"/>
+            <a:r>
+              <a:rPr kumimoji="1" lang="ja-JP" altLang="en-US" sz="3200" dirty="0" smtClean="0"/>
+              <a:t>黒</a:t>
+            </a:r>
+            <a:r>
+              <a:rPr kumimoji="1" lang="en-US" altLang="ja-JP" sz="3200" dirty="0" smtClean="0"/>
+              <a:t>(0)</a:t>
+            </a:r>
+            <a:endParaRPr kumimoji="1" lang="ja-JP" altLang="en-US" sz="3200" dirty="0"/>
+          </a:p>
+        </p:txBody>
+      </p:sp>
+      <p:sp>
+        <p:nvSpPr>
+          <p:cNvPr id="19" name="テキスト ボックス 18"/>
+          <p:cNvSpPr txBox="1"/>
+          <p:nvPr/>
+        </p:nvSpPr>
+        <p:spPr>
+          <a:xfrm>
+            <a:off x="8667131" y="812856"/>
+            <a:ext cx="1212648" cy="584775"/>
+          </a:xfrm>
+          <a:prstGeom prst="rect">
+            <a:avLst/>
+          </a:prstGeom>
+          <a:noFill/>
+        </p:spPr>
+        <p:txBody>
+          <a:bodyPr wrap="square" rtlCol="0">
+            <a:spAutoFit/>
+          </a:bodyPr>
+          <a:lstStyle/>
+          <a:p>
+            <a:pPr algn="ctr"/>
+            <a:r>
+              <a:rPr kumimoji="1" lang="ja-JP" altLang="en-US" sz="3200" dirty="0" smtClean="0"/>
+              <a:t>白</a:t>
+            </a:r>
+            <a:r>
+              <a:rPr kumimoji="1" lang="en-US" altLang="ja-JP" sz="3200" dirty="0" smtClean="0"/>
+              <a:t>(1)</a:t>
+            </a:r>
+            <a:endParaRPr kumimoji="1" lang="ja-JP" altLang="en-US" sz="3200" dirty="0"/>
+          </a:p>
+        </p:txBody>
+      </p:sp>
+      <p:sp>
+        <p:nvSpPr>
+          <p:cNvPr id="20" name="テキスト ボックス 19"/>
+          <p:cNvSpPr txBox="1"/>
+          <p:nvPr/>
+        </p:nvSpPr>
+        <p:spPr>
+          <a:xfrm>
+            <a:off x="1161961" y="5011392"/>
+            <a:ext cx="2748819" cy="1077218"/>
+          </a:xfrm>
+          <a:prstGeom prst="rect">
+            <a:avLst/>
+          </a:prstGeom>
+          <a:noFill/>
+          <a:ln>
+            <a:solidFill>
+              <a:schemeClr val="tx1"/>
+            </a:solidFill>
+          </a:ln>
+        </p:spPr>
+        <p:txBody>
+          <a:bodyPr wrap="square" rtlCol="0">
+            <a:spAutoFit/>
+          </a:bodyPr>
+          <a:lstStyle/>
+          <a:p>
+            <a:pPr algn="ctr"/>
+            <a:r>
+              <a:rPr lang="en-US" altLang="ja-JP" sz="3200" dirty="0" smtClean="0"/>
+              <a:t>idle</a:t>
+            </a:r>
+          </a:p>
+          <a:p>
+            <a:pPr algn="ctr"/>
+            <a:r>
+              <a:rPr lang="ja-JP" altLang="en-US" sz="3200" dirty="0" smtClean="0"/>
+              <a:t>（変更待ち）</a:t>
+            </a:r>
+            <a:endParaRPr lang="en-US" altLang="ja-JP" sz="3200" dirty="0" smtClean="0"/>
+          </a:p>
+        </p:txBody>
+      </p:sp>
+      <p:sp>
+        <p:nvSpPr>
+          <p:cNvPr id="21" name="テキスト ボックス 20"/>
+          <p:cNvSpPr txBox="1"/>
+          <p:nvPr/>
+        </p:nvSpPr>
+        <p:spPr>
+          <a:xfrm>
+            <a:off x="8105523" y="5940515"/>
+            <a:ext cx="2542343" cy="523220"/>
+          </a:xfrm>
+          <a:prstGeom prst="rect">
+            <a:avLst/>
+          </a:prstGeom>
+          <a:noFill/>
+          <a:ln>
+            <a:solidFill>
+              <a:schemeClr val="tx1"/>
+            </a:solidFill>
+          </a:ln>
+        </p:spPr>
+        <p:txBody>
+          <a:bodyPr wrap="square" rtlCol="0">
+            <a:spAutoFit/>
+          </a:bodyPr>
+          <a:lstStyle/>
+          <a:p>
+            <a:pPr algn="ctr"/>
+            <a:r>
+              <a:rPr kumimoji="1" lang="ja-JP" altLang="en-US" sz="2800" dirty="0" smtClean="0"/>
+              <a:t>置く場所を選択</a:t>
+            </a:r>
+            <a:endParaRPr kumimoji="1" lang="ja-JP" altLang="en-US" sz="2800" dirty="0"/>
+          </a:p>
+        </p:txBody>
+      </p:sp>
+      <p:cxnSp>
+        <p:nvCxnSpPr>
+          <p:cNvPr id="23" name="直線矢印コネクタ 22"/>
+          <p:cNvCxnSpPr/>
+          <p:nvPr/>
+        </p:nvCxnSpPr>
+        <p:spPr>
+          <a:xfrm>
+            <a:off x="2565046" y="2424944"/>
+            <a:ext cx="0" cy="242362"/>
+          </a:xfrm>
+          <a:prstGeom prst="straightConnector1">
+            <a:avLst/>
+          </a:prstGeom>
+          <a:ln w="38100">
+            <a:solidFill>
+              <a:srgbClr val="00B050"/>
+            </a:solidFill>
+            <a:tailEnd type="triangle"/>
+          </a:ln>
+        </p:spPr>
+        <p:style>
+          <a:lnRef idx="1">
+            <a:schemeClr val="accent1"/>
+          </a:lnRef>
+          <a:fillRef idx="0">
+            <a:schemeClr val="accent1"/>
+          </a:fillRef>
+          <a:effectRef idx="0">
+            <a:schemeClr val="accent1"/>
+          </a:effectRef>
+          <a:fontRef idx="minor">
+            <a:schemeClr val="tx1"/>
+          </a:fontRef>
+        </p:style>
+      </p:cxnSp>
+      <p:cxnSp>
+        <p:nvCxnSpPr>
+          <p:cNvPr id="24" name="直線矢印コネクタ 23"/>
+          <p:cNvCxnSpPr/>
+          <p:nvPr/>
+        </p:nvCxnSpPr>
+        <p:spPr>
+          <a:xfrm>
+            <a:off x="2565046" y="3454631"/>
+            <a:ext cx="0" cy="242362"/>
+          </a:xfrm>
+          <a:prstGeom prst="straightConnector1">
+            <a:avLst/>
+          </a:prstGeom>
+          <a:ln w="38100">
+            <a:solidFill>
+              <a:srgbClr val="00B050"/>
+            </a:solidFill>
+            <a:tailEnd type="triangle"/>
+          </a:ln>
+        </p:spPr>
+        <p:style>
+          <a:lnRef idx="1">
+            <a:schemeClr val="accent1"/>
+          </a:lnRef>
+          <a:fillRef idx="0">
+            <a:schemeClr val="accent1"/>
+          </a:fillRef>
+          <a:effectRef idx="0">
+            <a:schemeClr val="accent1"/>
+          </a:effectRef>
+          <a:fontRef idx="minor">
+            <a:schemeClr val="tx1"/>
+          </a:fontRef>
+        </p:style>
+      </p:cxnSp>
+      <p:cxnSp>
+        <p:nvCxnSpPr>
+          <p:cNvPr id="25" name="直線矢印コネクタ 24"/>
+          <p:cNvCxnSpPr/>
+          <p:nvPr/>
+        </p:nvCxnSpPr>
+        <p:spPr>
+          <a:xfrm>
+            <a:off x="2565046" y="4403507"/>
+            <a:ext cx="1" cy="523220"/>
+          </a:xfrm>
+          <a:prstGeom prst="straightConnector1">
+            <a:avLst/>
+          </a:prstGeom>
+          <a:ln w="38100">
+            <a:solidFill>
+              <a:srgbClr val="00B050"/>
+            </a:solidFill>
+            <a:tailEnd type="triangle"/>
+          </a:ln>
+        </p:spPr>
+        <p:style>
+          <a:lnRef idx="1">
+            <a:schemeClr val="accent1"/>
+          </a:lnRef>
+          <a:fillRef idx="0">
+            <a:schemeClr val="accent1"/>
+          </a:fillRef>
+          <a:effectRef idx="0">
+            <a:schemeClr val="accent1"/>
+          </a:effectRef>
+          <a:fontRef idx="minor">
+            <a:schemeClr val="tx1"/>
+          </a:fontRef>
+        </p:style>
+      </p:cxnSp>
+      <p:cxnSp>
+        <p:nvCxnSpPr>
+          <p:cNvPr id="29" name="直線矢印コネクタ 28"/>
+          <p:cNvCxnSpPr/>
+          <p:nvPr/>
+        </p:nvCxnSpPr>
+        <p:spPr>
+          <a:xfrm>
+            <a:off x="9273454" y="3163919"/>
+            <a:ext cx="1" cy="376494"/>
+          </a:xfrm>
+          <a:prstGeom prst="straightConnector1">
+            <a:avLst/>
+          </a:prstGeom>
+          <a:ln w="38100">
+            <a:solidFill>
+              <a:srgbClr val="00B050"/>
+            </a:solidFill>
+            <a:tailEnd type="triangle"/>
+          </a:ln>
+        </p:spPr>
+        <p:style>
+          <a:lnRef idx="1">
+            <a:schemeClr val="accent1"/>
+          </a:lnRef>
+          <a:fillRef idx="0">
+            <a:schemeClr val="accent1"/>
+          </a:fillRef>
+          <a:effectRef idx="0">
+            <a:schemeClr val="accent1"/>
+          </a:effectRef>
+          <a:fontRef idx="minor">
+            <a:schemeClr val="tx1"/>
+          </a:fontRef>
+        </p:style>
+      </p:cxnSp>
+      <p:cxnSp>
+        <p:nvCxnSpPr>
+          <p:cNvPr id="34" name="直線矢印コネクタ 33"/>
+          <p:cNvCxnSpPr/>
+          <p:nvPr/>
+        </p:nvCxnSpPr>
+        <p:spPr>
+          <a:xfrm>
+            <a:off x="9299672" y="4499904"/>
+            <a:ext cx="1" cy="376494"/>
+          </a:xfrm>
+          <a:prstGeom prst="straightConnector1">
+            <a:avLst/>
+          </a:prstGeom>
+          <a:ln w="38100">
+            <a:solidFill>
+              <a:srgbClr val="00B050"/>
+            </a:solidFill>
+            <a:tailEnd type="triangle"/>
+          </a:ln>
+        </p:spPr>
+        <p:style>
+          <a:lnRef idx="1">
+            <a:schemeClr val="accent1"/>
+          </a:lnRef>
+          <a:fillRef idx="0">
+            <a:schemeClr val="accent1"/>
+          </a:fillRef>
+          <a:effectRef idx="0">
+            <a:schemeClr val="accent1"/>
+          </a:effectRef>
+          <a:fontRef idx="minor">
+            <a:schemeClr val="tx1"/>
+          </a:fontRef>
+        </p:style>
+      </p:cxnSp>
+      <p:cxnSp>
+        <p:nvCxnSpPr>
+          <p:cNvPr id="35" name="直線矢印コネクタ 34"/>
+          <p:cNvCxnSpPr/>
+          <p:nvPr/>
+        </p:nvCxnSpPr>
+        <p:spPr>
+          <a:xfrm>
+            <a:off x="9299672" y="5550001"/>
+            <a:ext cx="0" cy="242362"/>
+          </a:xfrm>
+          <a:prstGeom prst="straightConnector1">
+            <a:avLst/>
+          </a:prstGeom>
+          <a:ln w="38100">
+            <a:solidFill>
+              <a:srgbClr val="00B050"/>
+            </a:solidFill>
+            <a:tailEnd type="triangle"/>
+          </a:ln>
+        </p:spPr>
+        <p:style>
+          <a:lnRef idx="1">
+            <a:schemeClr val="accent1"/>
+          </a:lnRef>
+          <a:fillRef idx="0">
+            <a:schemeClr val="accent1"/>
+          </a:fillRef>
+          <a:effectRef idx="0">
+            <a:schemeClr val="accent1"/>
+          </a:effectRef>
+          <a:fontRef idx="minor">
+            <a:schemeClr val="tx1"/>
+          </a:fontRef>
+        </p:style>
+      </p:cxnSp>
+      <p:sp>
+        <p:nvSpPr>
+          <p:cNvPr id="37" name="角丸四角形 36"/>
+          <p:cNvSpPr/>
+          <p:nvPr/>
+        </p:nvSpPr>
+        <p:spPr>
+          <a:xfrm>
+            <a:off x="884903" y="1415772"/>
+            <a:ext cx="3406878" cy="3084132"/>
+          </a:xfrm>
+          <a:prstGeom prst="roundRect">
+            <a:avLst/>
+          </a:prstGeom>
+          <a:noFill/>
+          <a:ln w="38100">
+            <a:solidFill>
+              <a:srgbClr val="FF0000"/>
+            </a:solidFill>
+          </a:ln>
+        </p:spPr>
+        <p:style>
+          <a:lnRef idx="2">
+            <a:schemeClr val="accent1">
+              <a:shade val="50000"/>
+            </a:schemeClr>
+          </a:lnRef>
+          <a:fillRef idx="1">
+            <a:schemeClr val="accent1"/>
+          </a:fillRef>
+          <a:effectRef idx="0">
+            <a:schemeClr val="accent1"/>
+          </a:effectRef>
+          <a:fontRef idx="minor">
+            <a:schemeClr val="lt1"/>
+          </a:fontRef>
+        </p:style>
+        <p:txBody>
+          <a:bodyPr rtlCol="0" anchor="ctr"/>
+          <a:lstStyle/>
+          <a:p>
+            <a:pPr algn="ctr"/>
+            <a:endParaRPr kumimoji="1" lang="ja-JP" altLang="en-US"/>
+          </a:p>
+        </p:txBody>
+      </p:sp>
+      <p:sp>
+        <p:nvSpPr>
+          <p:cNvPr id="38" name="角丸四角形 37"/>
+          <p:cNvSpPr/>
+          <p:nvPr/>
+        </p:nvSpPr>
+        <p:spPr>
+          <a:xfrm>
+            <a:off x="7673255" y="1620808"/>
+            <a:ext cx="3406878" cy="4152370"/>
+          </a:xfrm>
+          <a:prstGeom prst="roundRect">
+            <a:avLst/>
+          </a:prstGeom>
+          <a:noFill/>
+          <a:ln w="38100">
+            <a:solidFill>
+              <a:srgbClr val="FFC000"/>
+            </a:solidFill>
+          </a:ln>
+        </p:spPr>
+        <p:style>
+          <a:lnRef idx="2">
+            <a:schemeClr val="accent1">
+              <a:shade val="50000"/>
+            </a:schemeClr>
+          </a:lnRef>
+          <a:fillRef idx="1">
+            <a:schemeClr val="accent1"/>
+          </a:fillRef>
+          <a:effectRef idx="0">
+            <a:schemeClr val="accent1"/>
+          </a:effectRef>
+          <a:fontRef idx="minor">
+            <a:schemeClr val="lt1"/>
+          </a:fontRef>
+        </p:style>
+        <p:txBody>
+          <a:bodyPr rtlCol="0" anchor="ctr"/>
+          <a:lstStyle/>
+          <a:p>
+            <a:pPr algn="ctr"/>
+            <a:endParaRPr kumimoji="1" lang="ja-JP" altLang="en-US"/>
+          </a:p>
+        </p:txBody>
+      </p:sp>
+      <p:sp>
+        <p:nvSpPr>
+          <p:cNvPr id="40" name="テキスト ボックス 39"/>
+          <p:cNvSpPr txBox="1"/>
+          <p:nvPr/>
+        </p:nvSpPr>
+        <p:spPr>
+          <a:xfrm>
+            <a:off x="3846519" y="1098407"/>
+            <a:ext cx="2639489" cy="523220"/>
+          </a:xfrm>
+          <a:prstGeom prst="rect">
+            <a:avLst/>
+          </a:prstGeom>
+          <a:noFill/>
+        </p:spPr>
+        <p:txBody>
+          <a:bodyPr wrap="square" rtlCol="0">
+            <a:spAutoFit/>
+          </a:bodyPr>
+          <a:lstStyle/>
+          <a:p>
+            <a:pPr algn="ctr"/>
+            <a:r>
+              <a:rPr kumimoji="1" lang="ja-JP" altLang="en-US" sz="2800" dirty="0" smtClean="0">
+                <a:solidFill>
+                  <a:srgbClr val="FF0000"/>
+                </a:solidFill>
+              </a:rPr>
+              <a:t>石を置く処理</a:t>
+            </a:r>
+            <a:endParaRPr kumimoji="1" lang="ja-JP" altLang="en-US" sz="2800" dirty="0">
+              <a:solidFill>
+                <a:srgbClr val="FF0000"/>
+              </a:solidFill>
+            </a:endParaRPr>
+          </a:p>
+        </p:txBody>
+      </p:sp>
+      <p:sp>
+        <p:nvSpPr>
+          <p:cNvPr id="41" name="テキスト ボックス 40"/>
+          <p:cNvSpPr txBox="1"/>
+          <p:nvPr/>
+        </p:nvSpPr>
+        <p:spPr>
+          <a:xfrm>
+            <a:off x="10087896" y="505220"/>
+            <a:ext cx="1855311" cy="1384995"/>
+          </a:xfrm>
+          <a:prstGeom prst="rect">
+            <a:avLst/>
+          </a:prstGeom>
+          <a:noFill/>
+        </p:spPr>
+        <p:txBody>
+          <a:bodyPr wrap="square" rtlCol="0">
+            <a:spAutoFit/>
+          </a:bodyPr>
+          <a:lstStyle/>
+          <a:p>
+            <a:pPr algn="ctr"/>
+            <a:r>
+              <a:rPr lang="ja-JP" altLang="en-US" sz="2800" dirty="0">
+                <a:solidFill>
+                  <a:srgbClr val="FFC000"/>
+                </a:solidFill>
+              </a:rPr>
+              <a:t>置</a:t>
+            </a:r>
+            <a:r>
+              <a:rPr lang="ja-JP" altLang="en-US" sz="2800" dirty="0" smtClean="0">
+                <a:solidFill>
+                  <a:srgbClr val="FFC000"/>
+                </a:solidFill>
+              </a:rPr>
+              <a:t>かれるのを待っている</a:t>
+            </a:r>
+            <a:r>
+              <a:rPr kumimoji="1" lang="ja-JP" altLang="en-US" sz="2800" dirty="0" smtClean="0">
+                <a:solidFill>
+                  <a:srgbClr val="FFC000"/>
+                </a:solidFill>
+              </a:rPr>
+              <a:t>処理</a:t>
+            </a:r>
+            <a:endParaRPr kumimoji="1" lang="ja-JP" altLang="en-US" sz="2800" dirty="0">
+              <a:solidFill>
+                <a:srgbClr val="FFC000"/>
+              </a:solidFill>
+            </a:endParaRPr>
+          </a:p>
+        </p:txBody>
+      </p:sp>
+    </p:spTree>
+    <p:extLst>
+      <p:ext uri="{BB962C8B-B14F-4D97-AF65-F5344CB8AC3E}">
+        <p14:creationId xmlns:p14="http://schemas.microsoft.com/office/powerpoint/2010/main" val="3078609753"/>
+      </p:ext>
+    </p:extLst>
+  </p:cSld>
+  <p:clrMapOvr>
+    <a:masterClrMapping/>
+  </p:clrMapOvr>
+</p:sld>
+</file>
+
+<file path=ppt/slides/slide5.xml><?xml version="1.0" encoding="utf-8"?>
+<p:sld xmlns:a="http://schemas.openxmlformats.org/drawingml/2006/main" xmlns:r="http://schemas.openxmlformats.org/officeDocument/2006/relationships" xmlns:p="http://schemas.openxmlformats.org/presentationml/2006/main">
+  <p:cSld>
+    <p:spTree>
+      <p:nvGrpSpPr>
+        <p:cNvPr id="1" name=""/>
+        <p:cNvGrpSpPr/>
+        <p:nvPr/>
+      </p:nvGrpSpPr>
+      <p:grpSpPr>
+        <a:xfrm>
+          <a:off x="0" y="0"/>
+          <a:ext cx="0" cy="0"/>
+          <a:chOff x="0" y="0"/>
+          <a:chExt cx="0" cy="0"/>
+        </a:xfrm>
+      </p:grpSpPr>
+      <p:sp>
+        <p:nvSpPr>
+          <p:cNvPr id="2" name="テキスト ボックス 1"/>
+          <p:cNvSpPr txBox="1"/>
+          <p:nvPr/>
+        </p:nvSpPr>
+        <p:spPr>
+          <a:xfrm>
+            <a:off x="2499031" y="0"/>
+            <a:ext cx="7588865" cy="830997"/>
+          </a:xfrm>
+          <a:prstGeom prst="rect">
+            <a:avLst/>
+          </a:prstGeom>
+          <a:noFill/>
+        </p:spPr>
+        <p:txBody>
+          <a:bodyPr wrap="square" rtlCol="0">
+            <a:spAutoFit/>
+          </a:bodyPr>
+          <a:lstStyle/>
+          <a:p>
+            <a:pPr algn="ctr"/>
+            <a:r>
+              <a:rPr kumimoji="1" lang="ja-JP" altLang="en-US" sz="4800" b="1" dirty="0" smtClean="0">
+                <a:solidFill>
+                  <a:srgbClr val="7030A0"/>
+                </a:solidFill>
+              </a:rPr>
+              <a:t>オセロの</a:t>
+            </a:r>
+            <a:r>
+              <a:rPr lang="ja-JP" altLang="en-US" sz="4800" b="1" dirty="0" smtClean="0">
+                <a:solidFill>
+                  <a:srgbClr val="7030A0"/>
+                </a:solidFill>
+              </a:rPr>
+              <a:t>アルゴリズム</a:t>
+            </a:r>
+            <a:r>
+              <a:rPr lang="en-US" altLang="ja-JP" sz="4800" b="1" dirty="0" smtClean="0">
+                <a:solidFill>
+                  <a:srgbClr val="7030A0"/>
+                </a:solidFill>
+              </a:rPr>
+              <a:t>(2)</a:t>
+            </a:r>
+            <a:endParaRPr kumimoji="1" lang="ja-JP" altLang="en-US" sz="4800" b="1" dirty="0">
+              <a:solidFill>
+                <a:srgbClr val="7030A0"/>
+              </a:solidFill>
+            </a:endParaRPr>
+          </a:p>
+        </p:txBody>
+      </p:sp>
+      <p:sp>
+        <p:nvSpPr>
+          <p:cNvPr id="5" name="テキスト ボックス 4"/>
+          <p:cNvSpPr txBox="1"/>
+          <p:nvPr/>
+        </p:nvSpPr>
+        <p:spPr>
+          <a:xfrm>
+            <a:off x="1073119" y="1940241"/>
+            <a:ext cx="2748819" cy="1077218"/>
+          </a:xfrm>
+          <a:prstGeom prst="rect">
+            <a:avLst/>
+          </a:prstGeom>
+          <a:noFill/>
+          <a:ln>
+            <a:solidFill>
+              <a:schemeClr val="tx1"/>
+            </a:solidFill>
+          </a:ln>
+        </p:spPr>
+        <p:txBody>
+          <a:bodyPr wrap="square" rtlCol="0">
+            <a:spAutoFit/>
+          </a:bodyPr>
+          <a:lstStyle/>
+          <a:p>
+            <a:pPr algn="ctr"/>
+            <a:r>
+              <a:rPr lang="en-US" altLang="ja-JP" sz="3200" dirty="0" smtClean="0"/>
+              <a:t>idle</a:t>
+            </a:r>
+          </a:p>
+          <a:p>
+            <a:pPr algn="ctr"/>
+            <a:r>
+              <a:rPr lang="ja-JP" altLang="en-US" sz="3200" dirty="0" smtClean="0"/>
+              <a:t>（変更待ち）</a:t>
+            </a:r>
+            <a:endParaRPr lang="en-US" altLang="ja-JP" sz="3200" dirty="0" smtClean="0"/>
+          </a:p>
+        </p:txBody>
+      </p:sp>
+      <p:grpSp>
+        <p:nvGrpSpPr>
+          <p:cNvPr id="6" name="グループ化 5"/>
+          <p:cNvGrpSpPr/>
+          <p:nvPr/>
+        </p:nvGrpSpPr>
+        <p:grpSpPr>
+          <a:xfrm>
+            <a:off x="1678271" y="3650767"/>
+            <a:ext cx="1538514" cy="677552"/>
+            <a:chOff x="7250587" y="3118767"/>
+            <a:chExt cx="1185490" cy="677552"/>
+          </a:xfrm>
+        </p:grpSpPr>
+        <p:sp>
+          <p:nvSpPr>
+            <p:cNvPr id="7" name="円/楕円 6"/>
+            <p:cNvSpPr/>
+            <p:nvPr/>
+          </p:nvSpPr>
+          <p:spPr>
+            <a:xfrm>
+              <a:off x="7250587" y="3210898"/>
+              <a:ext cx="1185490" cy="585421"/>
+            </a:xfrm>
+            <a:prstGeom prst="ellipse">
+              <a:avLst/>
+            </a:prstGeom>
+            <a:noFill/>
+            <a:ln w="25400">
+              <a:solidFill>
+                <a:schemeClr val="tx1"/>
+              </a:solidFill>
+            </a:ln>
+          </p:spPr>
+          <p:style>
+            <a:lnRef idx="2">
+              <a:schemeClr val="accent1">
+                <a:shade val="50000"/>
+              </a:schemeClr>
+            </a:lnRef>
+            <a:fillRef idx="1">
+              <a:schemeClr val="accent1"/>
+            </a:fillRef>
+            <a:effectRef idx="0">
+              <a:schemeClr val="accent1"/>
+            </a:effectRef>
+            <a:fontRef idx="minor">
+              <a:schemeClr val="lt1"/>
+            </a:fontRef>
+          </p:style>
+          <p:txBody>
+            <a:bodyPr rtlCol="0" anchor="ctr"/>
+            <a:lstStyle/>
+            <a:p>
+              <a:pPr algn="ctr"/>
+              <a:endParaRPr kumimoji="1" lang="ja-JP" altLang="en-US"/>
+            </a:p>
+          </p:txBody>
+        </p:sp>
+        <p:sp>
+          <p:nvSpPr>
+            <p:cNvPr id="8" name="テキスト ボックス 7"/>
+            <p:cNvSpPr txBox="1"/>
+            <p:nvPr/>
+          </p:nvSpPr>
+          <p:spPr>
+            <a:xfrm>
+              <a:off x="7250587" y="3118767"/>
+              <a:ext cx="1185490" cy="646331"/>
+            </a:xfrm>
+            <a:prstGeom prst="rect">
+              <a:avLst/>
+            </a:prstGeom>
+            <a:noFill/>
+          </p:spPr>
+          <p:txBody>
+            <a:bodyPr wrap="square" rtlCol="0">
+              <a:spAutoFit/>
+            </a:bodyPr>
+            <a:lstStyle/>
+            <a:p>
+              <a:pPr algn="ctr"/>
+              <a:r>
+                <a:rPr kumimoji="1" lang="en-US" altLang="ja-JP" sz="3600" dirty="0" smtClean="0"/>
+                <a:t>get</a:t>
+              </a:r>
+              <a:endParaRPr kumimoji="1" lang="ja-JP" altLang="en-US" sz="3600" dirty="0"/>
+            </a:p>
+          </p:txBody>
+        </p:sp>
+      </p:grpSp>
+      <p:sp>
+        <p:nvSpPr>
+          <p:cNvPr id="9" name="テキスト ボックス 8"/>
+          <p:cNvSpPr txBox="1"/>
+          <p:nvPr/>
+        </p:nvSpPr>
+        <p:spPr>
+          <a:xfrm>
+            <a:off x="5031190" y="3788369"/>
+            <a:ext cx="1696065" cy="523220"/>
+          </a:xfrm>
+          <a:prstGeom prst="rect">
+            <a:avLst/>
+          </a:prstGeom>
+          <a:noFill/>
+          <a:ln>
+            <a:solidFill>
+              <a:schemeClr val="tx1"/>
+            </a:solidFill>
+          </a:ln>
+        </p:spPr>
+        <p:txBody>
+          <a:bodyPr wrap="square" rtlCol="0">
+            <a:spAutoFit/>
+          </a:bodyPr>
+          <a:lstStyle/>
+          <a:p>
+            <a:pPr algn="ctr"/>
+            <a:r>
+              <a:rPr kumimoji="1" lang="ja-JP" altLang="en-US" sz="2800" dirty="0" smtClean="0"/>
+              <a:t>サーバー</a:t>
+            </a:r>
+            <a:endParaRPr kumimoji="1" lang="ja-JP" altLang="en-US" sz="2800" dirty="0"/>
+          </a:p>
+        </p:txBody>
+      </p:sp>
+      <p:cxnSp>
+        <p:nvCxnSpPr>
+          <p:cNvPr id="10" name="直線矢印コネクタ 9"/>
+          <p:cNvCxnSpPr/>
+          <p:nvPr/>
+        </p:nvCxnSpPr>
+        <p:spPr>
+          <a:xfrm flipH="1" flipV="1">
+            <a:off x="3710976" y="4046894"/>
+            <a:ext cx="1017638" cy="3085"/>
+          </a:xfrm>
+          <a:prstGeom prst="straightConnector1">
+            <a:avLst/>
+          </a:prstGeom>
+          <a:ln w="38100">
+            <a:tailEnd type="triangle"/>
+          </a:ln>
+        </p:spPr>
+        <p:style>
+          <a:lnRef idx="1">
+            <a:schemeClr val="accent1"/>
+          </a:lnRef>
+          <a:fillRef idx="0">
+            <a:schemeClr val="accent1"/>
+          </a:fillRef>
+          <a:effectRef idx="0">
+            <a:schemeClr val="accent1"/>
+          </a:effectRef>
+          <a:fontRef idx="minor">
+            <a:schemeClr val="tx1"/>
+          </a:fontRef>
+        </p:style>
+      </p:cxnSp>
+      <p:sp>
+        <p:nvSpPr>
+          <p:cNvPr id="13" name="テキスト ボックス 12"/>
+          <p:cNvSpPr txBox="1"/>
+          <p:nvPr/>
+        </p:nvSpPr>
+        <p:spPr>
+          <a:xfrm>
+            <a:off x="1148325" y="4906595"/>
+            <a:ext cx="2804886" cy="523220"/>
+          </a:xfrm>
+          <a:prstGeom prst="rect">
+            <a:avLst/>
+          </a:prstGeom>
+          <a:noFill/>
+          <a:ln>
+            <a:solidFill>
+              <a:schemeClr val="tx1"/>
+            </a:solidFill>
+          </a:ln>
+        </p:spPr>
+        <p:txBody>
+          <a:bodyPr wrap="square" rtlCol="0">
+            <a:spAutoFit/>
+          </a:bodyPr>
+          <a:lstStyle/>
+          <a:p>
+            <a:pPr algn="ctr"/>
+            <a:r>
+              <a:rPr kumimoji="1" lang="ja-JP" altLang="en-US" sz="2800" dirty="0" smtClean="0"/>
+              <a:t>その場所に設置</a:t>
+            </a:r>
+            <a:endParaRPr kumimoji="1" lang="ja-JP" altLang="en-US" sz="2800" dirty="0"/>
+          </a:p>
+        </p:txBody>
+      </p:sp>
+      <p:sp>
+        <p:nvSpPr>
+          <p:cNvPr id="14" name="テキスト ボックス 13"/>
+          <p:cNvSpPr txBox="1"/>
+          <p:nvPr/>
+        </p:nvSpPr>
+        <p:spPr>
+          <a:xfrm>
+            <a:off x="2016078" y="830997"/>
+            <a:ext cx="1247060" cy="584775"/>
+          </a:xfrm>
+          <a:prstGeom prst="rect">
+            <a:avLst/>
+          </a:prstGeom>
+          <a:noFill/>
+        </p:spPr>
+        <p:txBody>
+          <a:bodyPr wrap="square" rtlCol="0">
+            <a:spAutoFit/>
+          </a:bodyPr>
+          <a:lstStyle/>
+          <a:p>
+            <a:pPr algn="ctr"/>
+            <a:r>
+              <a:rPr kumimoji="1" lang="ja-JP" altLang="en-US" sz="3200" dirty="0" smtClean="0"/>
+              <a:t>黒</a:t>
+            </a:r>
+            <a:r>
+              <a:rPr kumimoji="1" lang="en-US" altLang="ja-JP" sz="3200" dirty="0" smtClean="0"/>
+              <a:t>(0)</a:t>
+            </a:r>
+            <a:endParaRPr kumimoji="1" lang="ja-JP" altLang="en-US" sz="3200" dirty="0"/>
+          </a:p>
+        </p:txBody>
+      </p:sp>
+      <p:sp>
+        <p:nvSpPr>
+          <p:cNvPr id="15" name="テキスト ボックス 14"/>
+          <p:cNvSpPr txBox="1"/>
+          <p:nvPr/>
+        </p:nvSpPr>
+        <p:spPr>
+          <a:xfrm>
+            <a:off x="8667131" y="812856"/>
+            <a:ext cx="1212648" cy="584775"/>
+          </a:xfrm>
+          <a:prstGeom prst="rect">
+            <a:avLst/>
+          </a:prstGeom>
+          <a:noFill/>
+        </p:spPr>
+        <p:txBody>
+          <a:bodyPr wrap="square" rtlCol="0">
+            <a:spAutoFit/>
+          </a:bodyPr>
+          <a:lstStyle/>
+          <a:p>
+            <a:pPr algn="ctr"/>
+            <a:r>
+              <a:rPr kumimoji="1" lang="ja-JP" altLang="en-US" sz="3200" dirty="0" smtClean="0"/>
+              <a:t>白</a:t>
+            </a:r>
+            <a:r>
+              <a:rPr kumimoji="1" lang="en-US" altLang="ja-JP" sz="3200" dirty="0" smtClean="0"/>
+              <a:t>(1)</a:t>
+            </a:r>
+            <a:endParaRPr kumimoji="1" lang="ja-JP" altLang="en-US" sz="3200" dirty="0"/>
+          </a:p>
+        </p:txBody>
+      </p:sp>
+      <p:sp>
+        <p:nvSpPr>
+          <p:cNvPr id="17" name="テキスト ボックス 16"/>
+          <p:cNvSpPr txBox="1"/>
+          <p:nvPr/>
+        </p:nvSpPr>
+        <p:spPr>
+          <a:xfrm>
+            <a:off x="1279596" y="5866773"/>
+            <a:ext cx="2542343" cy="523220"/>
+          </a:xfrm>
+          <a:prstGeom prst="rect">
+            <a:avLst/>
+          </a:prstGeom>
+          <a:noFill/>
+          <a:ln>
+            <a:solidFill>
+              <a:schemeClr val="tx1"/>
+            </a:solidFill>
+          </a:ln>
+        </p:spPr>
+        <p:txBody>
+          <a:bodyPr wrap="square" rtlCol="0">
+            <a:spAutoFit/>
+          </a:bodyPr>
+          <a:lstStyle/>
+          <a:p>
+            <a:pPr algn="ctr"/>
+            <a:r>
+              <a:rPr kumimoji="1" lang="ja-JP" altLang="en-US" sz="2800" dirty="0" smtClean="0"/>
+              <a:t>置く場所を選択</a:t>
+            </a:r>
+            <a:endParaRPr kumimoji="1" lang="ja-JP" altLang="en-US" sz="2800" dirty="0"/>
+          </a:p>
+        </p:txBody>
+      </p:sp>
+      <p:sp>
+        <p:nvSpPr>
+          <p:cNvPr id="18" name="テキスト ボックス 17"/>
+          <p:cNvSpPr txBox="1"/>
+          <p:nvPr/>
+        </p:nvSpPr>
+        <p:spPr>
+          <a:xfrm>
+            <a:off x="8205019" y="1889450"/>
+            <a:ext cx="2542343" cy="523220"/>
+          </a:xfrm>
+          <a:prstGeom prst="rect">
+            <a:avLst/>
+          </a:prstGeom>
+          <a:noFill/>
+          <a:ln>
+            <a:solidFill>
+              <a:schemeClr val="tx1"/>
+            </a:solidFill>
+          </a:ln>
+        </p:spPr>
+        <p:txBody>
+          <a:bodyPr wrap="square" rtlCol="0">
+            <a:spAutoFit/>
+          </a:bodyPr>
+          <a:lstStyle/>
+          <a:p>
+            <a:pPr algn="ctr"/>
+            <a:r>
+              <a:rPr kumimoji="1" lang="ja-JP" altLang="en-US" sz="2800" dirty="0" smtClean="0"/>
+              <a:t>置く場所を選択</a:t>
+            </a:r>
+            <a:endParaRPr kumimoji="1" lang="ja-JP" altLang="en-US" sz="2800" dirty="0"/>
+          </a:p>
+        </p:txBody>
+      </p:sp>
+      <p:sp>
+        <p:nvSpPr>
+          <p:cNvPr id="19" name="テキスト ボックス 18"/>
+          <p:cNvSpPr txBox="1"/>
+          <p:nvPr/>
+        </p:nvSpPr>
+        <p:spPr>
+          <a:xfrm>
+            <a:off x="8312705" y="3773287"/>
+            <a:ext cx="2252292" cy="523220"/>
+          </a:xfrm>
+          <a:prstGeom prst="rect">
+            <a:avLst/>
+          </a:prstGeom>
+          <a:noFill/>
+          <a:ln>
+            <a:solidFill>
+              <a:schemeClr val="tx1"/>
+            </a:solidFill>
+          </a:ln>
+        </p:spPr>
+        <p:txBody>
+          <a:bodyPr wrap="square" rtlCol="0">
+            <a:spAutoFit/>
+          </a:bodyPr>
+          <a:lstStyle/>
+          <a:p>
+            <a:pPr algn="ctr"/>
+            <a:r>
+              <a:rPr lang="ja-JP" altLang="en-US" sz="2800" dirty="0" smtClean="0"/>
+              <a:t>データを送る</a:t>
+            </a:r>
+            <a:endParaRPr kumimoji="1" lang="ja-JP" altLang="en-US" sz="2800" dirty="0"/>
+          </a:p>
+        </p:txBody>
+      </p:sp>
+      <p:sp>
+        <p:nvSpPr>
+          <p:cNvPr id="20" name="テキスト ボックス 19"/>
+          <p:cNvSpPr txBox="1"/>
+          <p:nvPr/>
+        </p:nvSpPr>
+        <p:spPr>
+          <a:xfrm>
+            <a:off x="8036408" y="2881472"/>
+            <a:ext cx="2804886" cy="523220"/>
+          </a:xfrm>
+          <a:prstGeom prst="rect">
+            <a:avLst/>
+          </a:prstGeom>
+          <a:noFill/>
+          <a:ln>
+            <a:solidFill>
+              <a:schemeClr val="tx1"/>
+            </a:solidFill>
+          </a:ln>
+        </p:spPr>
+        <p:txBody>
+          <a:bodyPr wrap="square" rtlCol="0">
+            <a:spAutoFit/>
+          </a:bodyPr>
+          <a:lstStyle/>
+          <a:p>
+            <a:pPr algn="ctr"/>
+            <a:r>
+              <a:rPr kumimoji="1" lang="ja-JP" altLang="en-US" sz="2800" dirty="0" smtClean="0"/>
+              <a:t>その場所に設置</a:t>
+            </a:r>
+            <a:endParaRPr kumimoji="1" lang="ja-JP" altLang="en-US" sz="2800" dirty="0"/>
+          </a:p>
+        </p:txBody>
+      </p:sp>
+      <p:sp>
+        <p:nvSpPr>
+          <p:cNvPr id="21" name="テキスト ボックス 20"/>
+          <p:cNvSpPr txBox="1"/>
+          <p:nvPr/>
+        </p:nvSpPr>
+        <p:spPr>
+          <a:xfrm>
+            <a:off x="8064441" y="5051165"/>
+            <a:ext cx="2748819" cy="1077218"/>
+          </a:xfrm>
+          <a:prstGeom prst="rect">
+            <a:avLst/>
+          </a:prstGeom>
+          <a:noFill/>
+          <a:ln>
+            <a:solidFill>
+              <a:schemeClr val="tx1"/>
+            </a:solidFill>
+          </a:ln>
+        </p:spPr>
+        <p:txBody>
+          <a:bodyPr wrap="square" rtlCol="0">
+            <a:spAutoFit/>
+          </a:bodyPr>
+          <a:lstStyle/>
+          <a:p>
+            <a:pPr algn="ctr"/>
+            <a:r>
+              <a:rPr lang="en-US" altLang="ja-JP" sz="3200" dirty="0" smtClean="0"/>
+              <a:t>idle</a:t>
+            </a:r>
+          </a:p>
+          <a:p>
+            <a:pPr algn="ctr"/>
+            <a:r>
+              <a:rPr lang="ja-JP" altLang="en-US" sz="3200" dirty="0" smtClean="0"/>
+              <a:t>（変更待ち）</a:t>
+            </a:r>
+            <a:endParaRPr lang="en-US" altLang="ja-JP" sz="3200" dirty="0" smtClean="0"/>
+          </a:p>
+        </p:txBody>
+      </p:sp>
+      <p:cxnSp>
+        <p:nvCxnSpPr>
+          <p:cNvPr id="24" name="直線矢印コネクタ 23"/>
+          <p:cNvCxnSpPr/>
+          <p:nvPr/>
+        </p:nvCxnSpPr>
+        <p:spPr>
+          <a:xfrm flipH="1" flipV="1">
+            <a:off x="7029831" y="4034897"/>
+            <a:ext cx="1017638" cy="3085"/>
+          </a:xfrm>
+          <a:prstGeom prst="straightConnector1">
+            <a:avLst/>
+          </a:prstGeom>
+          <a:ln w="38100">
+            <a:tailEnd type="triangle"/>
+          </a:ln>
+        </p:spPr>
+        <p:style>
+          <a:lnRef idx="1">
+            <a:schemeClr val="accent1"/>
+          </a:lnRef>
+          <a:fillRef idx="0">
+            <a:schemeClr val="accent1"/>
+          </a:fillRef>
+          <a:effectRef idx="0">
+            <a:schemeClr val="accent1"/>
+          </a:effectRef>
+          <a:fontRef idx="minor">
+            <a:schemeClr val="tx1"/>
+          </a:fontRef>
+        </p:style>
+      </p:cxnSp>
+      <p:cxnSp>
+        <p:nvCxnSpPr>
+          <p:cNvPr id="25" name="直線矢印コネクタ 24"/>
+          <p:cNvCxnSpPr/>
+          <p:nvPr/>
+        </p:nvCxnSpPr>
+        <p:spPr>
+          <a:xfrm>
+            <a:off x="9423046" y="2528183"/>
+            <a:ext cx="0" cy="242362"/>
+          </a:xfrm>
+          <a:prstGeom prst="straightConnector1">
+            <a:avLst/>
+          </a:prstGeom>
+          <a:ln w="38100">
+            <a:solidFill>
+              <a:srgbClr val="00B050"/>
+            </a:solidFill>
+            <a:tailEnd type="triangle"/>
+          </a:ln>
+        </p:spPr>
+        <p:style>
+          <a:lnRef idx="1">
+            <a:schemeClr val="accent1"/>
+          </a:lnRef>
+          <a:fillRef idx="0">
+            <a:schemeClr val="accent1"/>
+          </a:fillRef>
+          <a:effectRef idx="0">
+            <a:schemeClr val="accent1"/>
+          </a:effectRef>
+          <a:fontRef idx="minor">
+            <a:schemeClr val="tx1"/>
+          </a:fontRef>
+        </p:style>
+      </p:cxnSp>
+      <p:cxnSp>
+        <p:nvCxnSpPr>
+          <p:cNvPr id="26" name="直線矢印コネクタ 25"/>
+          <p:cNvCxnSpPr/>
+          <p:nvPr/>
+        </p:nvCxnSpPr>
+        <p:spPr>
+          <a:xfrm>
+            <a:off x="9423046" y="3500536"/>
+            <a:ext cx="0" cy="242362"/>
+          </a:xfrm>
+          <a:prstGeom prst="straightConnector1">
+            <a:avLst/>
+          </a:prstGeom>
+          <a:ln w="38100">
+            <a:solidFill>
+              <a:srgbClr val="00B050"/>
+            </a:solidFill>
+            <a:tailEnd type="triangle"/>
+          </a:ln>
+        </p:spPr>
+        <p:style>
+          <a:lnRef idx="1">
+            <a:schemeClr val="accent1"/>
+          </a:lnRef>
+          <a:fillRef idx="0">
+            <a:schemeClr val="accent1"/>
+          </a:fillRef>
+          <a:effectRef idx="0">
+            <a:schemeClr val="accent1"/>
+          </a:effectRef>
+          <a:fontRef idx="minor">
+            <a:schemeClr val="tx1"/>
+          </a:fontRef>
+        </p:style>
+      </p:cxnSp>
+      <p:cxnSp>
+        <p:nvCxnSpPr>
+          <p:cNvPr id="27" name="直線矢印コネクタ 26"/>
+          <p:cNvCxnSpPr/>
+          <p:nvPr/>
+        </p:nvCxnSpPr>
+        <p:spPr>
+          <a:xfrm>
+            <a:off x="9423045" y="4530101"/>
+            <a:ext cx="1" cy="376494"/>
+          </a:xfrm>
+          <a:prstGeom prst="straightConnector1">
+            <a:avLst/>
+          </a:prstGeom>
+          <a:ln w="38100">
+            <a:solidFill>
+              <a:srgbClr val="00B050"/>
+            </a:solidFill>
+            <a:tailEnd type="triangle"/>
+          </a:ln>
+        </p:spPr>
+        <p:style>
+          <a:lnRef idx="1">
+            <a:schemeClr val="accent1"/>
+          </a:lnRef>
+          <a:fillRef idx="0">
+            <a:schemeClr val="accent1"/>
+          </a:fillRef>
+          <a:effectRef idx="0">
+            <a:schemeClr val="accent1"/>
+          </a:effectRef>
+          <a:fontRef idx="minor">
+            <a:schemeClr val="tx1"/>
+          </a:fontRef>
+        </p:style>
+      </p:cxnSp>
+      <p:cxnSp>
+        <p:nvCxnSpPr>
+          <p:cNvPr id="28" name="直線矢印コネクタ 27"/>
+          <p:cNvCxnSpPr/>
+          <p:nvPr/>
+        </p:nvCxnSpPr>
+        <p:spPr>
+          <a:xfrm>
+            <a:off x="2447527" y="3164622"/>
+            <a:ext cx="1" cy="376494"/>
+          </a:xfrm>
+          <a:prstGeom prst="straightConnector1">
+            <a:avLst/>
+          </a:prstGeom>
+          <a:ln w="38100">
+            <a:solidFill>
+              <a:srgbClr val="00B050"/>
+            </a:solidFill>
+            <a:tailEnd type="triangle"/>
+          </a:ln>
+        </p:spPr>
+        <p:style>
+          <a:lnRef idx="1">
+            <a:schemeClr val="accent1"/>
+          </a:lnRef>
+          <a:fillRef idx="0">
+            <a:schemeClr val="accent1"/>
+          </a:fillRef>
+          <a:effectRef idx="0">
+            <a:schemeClr val="accent1"/>
+          </a:effectRef>
+          <a:fontRef idx="minor">
+            <a:schemeClr val="tx1"/>
+          </a:fontRef>
+        </p:style>
+      </p:cxnSp>
+      <p:cxnSp>
+        <p:nvCxnSpPr>
+          <p:cNvPr id="29" name="直線矢印コネクタ 28"/>
+          <p:cNvCxnSpPr/>
+          <p:nvPr/>
+        </p:nvCxnSpPr>
+        <p:spPr>
+          <a:xfrm>
+            <a:off x="2447527" y="4469637"/>
+            <a:ext cx="1" cy="376494"/>
+          </a:xfrm>
+          <a:prstGeom prst="straightConnector1">
+            <a:avLst/>
+          </a:prstGeom>
+          <a:ln w="38100">
+            <a:solidFill>
+              <a:srgbClr val="00B050"/>
+            </a:solidFill>
+            <a:tailEnd type="triangle"/>
+          </a:ln>
+        </p:spPr>
+        <p:style>
+          <a:lnRef idx="1">
+            <a:schemeClr val="accent1"/>
+          </a:lnRef>
+          <a:fillRef idx="0">
+            <a:schemeClr val="accent1"/>
+          </a:fillRef>
+          <a:effectRef idx="0">
+            <a:schemeClr val="accent1"/>
+          </a:effectRef>
+          <a:fontRef idx="minor">
+            <a:schemeClr val="tx1"/>
+          </a:fontRef>
+        </p:style>
+      </p:cxnSp>
+      <p:cxnSp>
+        <p:nvCxnSpPr>
+          <p:cNvPr id="30" name="直線矢印コネクタ 29"/>
+          <p:cNvCxnSpPr/>
+          <p:nvPr/>
+        </p:nvCxnSpPr>
+        <p:spPr>
+          <a:xfrm>
+            <a:off x="2477722" y="5624411"/>
+            <a:ext cx="0" cy="242362"/>
+          </a:xfrm>
+          <a:prstGeom prst="straightConnector1">
+            <a:avLst/>
+          </a:prstGeom>
+          <a:ln w="38100">
+            <a:solidFill>
+              <a:srgbClr val="00B050"/>
+            </a:solidFill>
+            <a:tailEnd type="triangle"/>
+          </a:ln>
+        </p:spPr>
+        <p:style>
+          <a:lnRef idx="1">
+            <a:schemeClr val="accent1"/>
+          </a:lnRef>
+          <a:fillRef idx="0">
+            <a:schemeClr val="accent1"/>
+          </a:fillRef>
+          <a:effectRef idx="0">
+            <a:schemeClr val="accent1"/>
+          </a:effectRef>
+          <a:fontRef idx="minor">
+            <a:schemeClr val="tx1"/>
+          </a:fontRef>
+        </p:style>
+      </p:cxnSp>
+      <p:sp>
+        <p:nvSpPr>
+          <p:cNvPr id="31" name="角丸四角形 30"/>
+          <p:cNvSpPr/>
+          <p:nvPr/>
+        </p:nvSpPr>
+        <p:spPr>
+          <a:xfrm>
+            <a:off x="795592" y="1734541"/>
+            <a:ext cx="3406878" cy="3855233"/>
+          </a:xfrm>
+          <a:prstGeom prst="roundRect">
+            <a:avLst/>
+          </a:prstGeom>
+          <a:noFill/>
+          <a:ln w="38100">
+            <a:solidFill>
+              <a:srgbClr val="FFC000"/>
+            </a:solidFill>
+          </a:ln>
+        </p:spPr>
+        <p:style>
+          <a:lnRef idx="2">
+            <a:schemeClr val="accent1">
+              <a:shade val="50000"/>
+            </a:schemeClr>
+          </a:lnRef>
+          <a:fillRef idx="1">
+            <a:schemeClr val="accent1"/>
+          </a:fillRef>
+          <a:effectRef idx="0">
+            <a:schemeClr val="accent1"/>
+          </a:effectRef>
+          <a:fontRef idx="minor">
+            <a:schemeClr val="lt1"/>
+          </a:fontRef>
+        </p:style>
+        <p:txBody>
+          <a:bodyPr rtlCol="0" anchor="ctr"/>
+          <a:lstStyle/>
+          <a:p>
+            <a:pPr algn="ctr"/>
+            <a:endParaRPr kumimoji="1" lang="ja-JP" altLang="en-US"/>
+          </a:p>
+        </p:txBody>
+      </p:sp>
+      <p:sp>
+        <p:nvSpPr>
+          <p:cNvPr id="32" name="テキスト ボックス 31"/>
+          <p:cNvSpPr txBox="1"/>
+          <p:nvPr/>
+        </p:nvSpPr>
+        <p:spPr>
+          <a:xfrm>
+            <a:off x="3210233" y="682171"/>
+            <a:ext cx="1855311" cy="1384995"/>
+          </a:xfrm>
+          <a:prstGeom prst="rect">
+            <a:avLst/>
+          </a:prstGeom>
+          <a:noFill/>
+        </p:spPr>
+        <p:txBody>
+          <a:bodyPr wrap="square" rtlCol="0">
+            <a:spAutoFit/>
+          </a:bodyPr>
+          <a:lstStyle/>
+          <a:p>
+            <a:pPr algn="ctr"/>
+            <a:r>
+              <a:rPr lang="ja-JP" altLang="en-US" sz="2800" dirty="0">
+                <a:solidFill>
+                  <a:srgbClr val="FFC000"/>
+                </a:solidFill>
+              </a:rPr>
+              <a:t>置</a:t>
+            </a:r>
+            <a:r>
+              <a:rPr lang="ja-JP" altLang="en-US" sz="2800" dirty="0" smtClean="0">
+                <a:solidFill>
+                  <a:srgbClr val="FFC000"/>
+                </a:solidFill>
+              </a:rPr>
+              <a:t>かれるのを待っている</a:t>
+            </a:r>
+            <a:r>
+              <a:rPr kumimoji="1" lang="ja-JP" altLang="en-US" sz="2800" dirty="0" smtClean="0">
+                <a:solidFill>
+                  <a:srgbClr val="FFC000"/>
+                </a:solidFill>
+              </a:rPr>
+              <a:t>処理</a:t>
+            </a:r>
+            <a:endParaRPr kumimoji="1" lang="ja-JP" altLang="en-US" sz="2800" dirty="0">
+              <a:solidFill>
+                <a:srgbClr val="FFC000"/>
+              </a:solidFill>
+            </a:endParaRPr>
+          </a:p>
+        </p:txBody>
+      </p:sp>
+      <p:sp>
+        <p:nvSpPr>
+          <p:cNvPr id="33" name="角丸四角形 32"/>
+          <p:cNvSpPr/>
+          <p:nvPr/>
+        </p:nvSpPr>
+        <p:spPr>
+          <a:xfrm>
+            <a:off x="7719606" y="1502038"/>
+            <a:ext cx="3406878" cy="3084132"/>
+          </a:xfrm>
+          <a:prstGeom prst="roundRect">
+            <a:avLst/>
+          </a:prstGeom>
+          <a:noFill/>
+          <a:ln w="38100">
+            <a:solidFill>
+              <a:srgbClr val="FF0000"/>
+            </a:solidFill>
+          </a:ln>
+        </p:spPr>
+        <p:style>
+          <a:lnRef idx="2">
+            <a:schemeClr val="accent1">
+              <a:shade val="50000"/>
+            </a:schemeClr>
+          </a:lnRef>
+          <a:fillRef idx="1">
+            <a:schemeClr val="accent1"/>
+          </a:fillRef>
+          <a:effectRef idx="0">
+            <a:schemeClr val="accent1"/>
+          </a:effectRef>
+          <a:fontRef idx="minor">
+            <a:schemeClr val="lt1"/>
+          </a:fontRef>
+        </p:style>
+        <p:txBody>
+          <a:bodyPr rtlCol="0" anchor="ctr"/>
+          <a:lstStyle/>
+          <a:p>
+            <a:pPr algn="ctr"/>
+            <a:endParaRPr kumimoji="1" lang="ja-JP" altLang="en-US"/>
+          </a:p>
+        </p:txBody>
+      </p:sp>
+      <p:sp>
+        <p:nvSpPr>
+          <p:cNvPr id="34" name="テキスト ボックス 33"/>
+          <p:cNvSpPr txBox="1"/>
+          <p:nvPr/>
+        </p:nvSpPr>
+        <p:spPr>
+          <a:xfrm>
+            <a:off x="9806739" y="937982"/>
+            <a:ext cx="2639489" cy="523220"/>
+          </a:xfrm>
+          <a:prstGeom prst="rect">
+            <a:avLst/>
+          </a:prstGeom>
+          <a:noFill/>
+        </p:spPr>
+        <p:txBody>
+          <a:bodyPr wrap="square" rtlCol="0">
+            <a:spAutoFit/>
+          </a:bodyPr>
+          <a:lstStyle/>
+          <a:p>
+            <a:pPr algn="ctr"/>
+            <a:r>
+              <a:rPr kumimoji="1" lang="ja-JP" altLang="en-US" sz="2800" dirty="0" smtClean="0">
+                <a:solidFill>
+                  <a:srgbClr val="FF0000"/>
+                </a:solidFill>
+              </a:rPr>
+              <a:t>石を置く処理</a:t>
+            </a:r>
+            <a:endParaRPr kumimoji="1" lang="ja-JP" altLang="en-US" sz="2800" dirty="0">
+              <a:solidFill>
+                <a:srgbClr val="FF0000"/>
+              </a:solidFill>
+            </a:endParaRPr>
+          </a:p>
+        </p:txBody>
+      </p:sp>
+    </p:spTree>
+    <p:extLst>
+      <p:ext uri="{BB962C8B-B14F-4D97-AF65-F5344CB8AC3E}">
+        <p14:creationId xmlns:p14="http://schemas.microsoft.com/office/powerpoint/2010/main" val="2886907639"/>
       </p:ext>
     </p:extLst>
   </p:cSld>

--- a/design/ゲームシステム.pptx
+++ b/design/ゲームシステム.pptx
@@ -753,8 +753,19 @@
               <a:t>だけに</a:t>
             </a:r>
             <a:r>
-              <a:rPr kumimoji="1" lang="ja-JP" altLang="en-US" smtClean="0"/>
-              <a:t>通じるファイルにしないといけない。その決め方をどうするか。</a:t>
+              <a:rPr kumimoji="1" lang="ja-JP" altLang="en-US" dirty="0" smtClean="0"/>
+              <a:t>通じるファイルにしないといけない。その決め方をどうするか</a:t>
+            </a:r>
+            <a:r>
+              <a:rPr kumimoji="1" lang="ja-JP" altLang="en-US" dirty="0" smtClean="0"/>
+              <a:t>。</a:t>
+            </a:r>
+            <a:endParaRPr kumimoji="1" lang="en-US" altLang="ja-JP" dirty="0" smtClean="0"/>
+          </a:p>
+          <a:p>
+            <a:r>
+              <a:rPr kumimoji="1" lang="ja-JP" altLang="en-US" dirty="0" smtClean="0"/>
+              <a:t>誰がどこに打ったかが分かれば、今どっちの番か分かる。</a:t>
             </a:r>
             <a:endParaRPr kumimoji="1" lang="ja-JP" altLang="en-US" dirty="0"/>
           </a:p>
@@ -5868,8 +5879,8 @@
         </p:nvSpPr>
         <p:spPr>
           <a:xfrm>
-            <a:off x="6627351" y="1792127"/>
-            <a:ext cx="1401097" cy="2862322"/>
+            <a:off x="6622662" y="1672814"/>
+            <a:ext cx="1401097" cy="3170099"/>
           </a:xfrm>
           <a:prstGeom prst="rect">
             <a:avLst/>
@@ -5883,15 +5894,10 @@
           <a:lstStyle/>
           <a:p>
             <a:r>
-              <a:rPr kumimoji="1" lang="en-US" altLang="ja-JP" sz="2000" dirty="0" smtClean="0"/>
-              <a:t>1</a:t>
-            </a:r>
-          </a:p>
-          <a:p>
-            <a:r>
               <a:rPr lang="en-US" altLang="ja-JP" sz="2000" dirty="0" smtClean="0"/>
               <a:t>00000000</a:t>
             </a:r>
+            <a:endParaRPr lang="en-US" altLang="ja-JP" sz="2000" dirty="0" smtClean="0"/>
           </a:p>
           <a:p>
             <a:r>
@@ -5908,14 +5914,16 @@
           <a:p>
             <a:r>
               <a:rPr kumimoji="1" lang="en-US" altLang="ja-JP" sz="2000" dirty="0" smtClean="0"/>
+              <a:t>00021000</a:t>
+            </a:r>
+            <a:endParaRPr kumimoji="1" lang="en-US" altLang="ja-JP" sz="2000" dirty="0" smtClean="0"/>
+          </a:p>
+          <a:p>
+            <a:r>
+              <a:rPr lang="en-US" altLang="ja-JP" sz="2000" dirty="0" smtClean="0"/>
               <a:t>00012000</a:t>
             </a:r>
-          </a:p>
-          <a:p>
-            <a:r>
-              <a:rPr lang="en-US" altLang="ja-JP" sz="2000" dirty="0" smtClean="0"/>
-              <a:t>00021000</a:t>
-            </a:r>
+            <a:endParaRPr lang="en-US" altLang="ja-JP" sz="2000" dirty="0" smtClean="0"/>
           </a:p>
           <a:p>
             <a:r>
@@ -5934,6 +5942,19 @@
               <a:rPr kumimoji="1" lang="en-US" altLang="ja-JP" sz="2000" dirty="0" smtClean="0"/>
               <a:t>00000000</a:t>
             </a:r>
+          </a:p>
+          <a:p>
+            <a:r>
+              <a:rPr kumimoji="1" lang="en-US" altLang="ja-JP" sz="2000" dirty="0" smtClean="0"/>
+              <a:t>0:4,5</a:t>
+            </a:r>
+          </a:p>
+          <a:p>
+            <a:r>
+              <a:rPr lang="en-US" altLang="ja-JP" sz="2000" dirty="0" smtClean="0"/>
+              <a:t>1:2,9</a:t>
+            </a:r>
+            <a:endParaRPr kumimoji="1" lang="en-US" altLang="ja-JP" sz="2000" dirty="0" smtClean="0"/>
           </a:p>
         </p:txBody>
       </p:sp>
@@ -5945,7 +5966,7 @@
         </p:nvCxnSpPr>
         <p:spPr>
           <a:xfrm flipH="1">
-            <a:off x="6990736" y="1985777"/>
+            <a:off x="7350741" y="4352881"/>
             <a:ext cx="1843548" cy="0"/>
           </a:xfrm>
           <a:prstGeom prst="straightConnector1">
@@ -5978,8 +5999,8 @@
         </p:nvSpPr>
         <p:spPr>
           <a:xfrm>
-            <a:off x="8932198" y="1792127"/>
-            <a:ext cx="1991033" cy="369332"/>
+            <a:off x="9194289" y="3987902"/>
+            <a:ext cx="1991033" cy="707886"/>
           </a:xfrm>
           <a:prstGeom prst="rect">
             <a:avLst/>
@@ -5993,10 +6014,18 @@
           <a:lstStyle/>
           <a:p>
             <a:r>
-              <a:rPr kumimoji="1" lang="ja-JP" altLang="en-US" dirty="0" smtClean="0"/>
-              <a:t>今どっちの手か</a:t>
-            </a:r>
-            <a:endParaRPr kumimoji="1" lang="ja-JP" altLang="en-US" dirty="0"/>
+              <a:rPr kumimoji="1" lang="ja-JP" altLang="en-US" sz="2000" dirty="0" smtClean="0"/>
+              <a:t>どっち</a:t>
+            </a:r>
+            <a:r>
+              <a:rPr kumimoji="1" lang="ja-JP" altLang="en-US" sz="2000" dirty="0" smtClean="0"/>
+              <a:t>の</a:t>
+            </a:r>
+            <a:r>
+              <a:rPr kumimoji="1" lang="ja-JP" altLang="en-US" sz="2000" dirty="0" smtClean="0"/>
+              <a:t>手がどこに打ったのか</a:t>
+            </a:r>
+            <a:endParaRPr kumimoji="1" lang="ja-JP" altLang="en-US" sz="2000" dirty="0"/>
           </a:p>
         </p:txBody>
       </p:sp>
@@ -6008,7 +6037,7 @@
         </p:nvSpPr>
         <p:spPr>
           <a:xfrm flipH="1">
-            <a:off x="8180644" y="2161459"/>
+            <a:off x="7850137" y="1679305"/>
             <a:ext cx="422378" cy="2492990"/>
           </a:xfrm>
           <a:prstGeom prst="leftBrace">
@@ -6050,7 +6079,7 @@
         </p:nvSpPr>
         <p:spPr>
           <a:xfrm>
-            <a:off x="8834284" y="3032132"/>
+            <a:off x="8559434" y="2549977"/>
             <a:ext cx="1991033" cy="707886"/>
           </a:xfrm>
           <a:prstGeom prst="rect">
@@ -6092,8 +6121,8 @@
         </p:nvSpPr>
         <p:spPr>
           <a:xfrm>
-            <a:off x="8949609" y="4460737"/>
-            <a:ext cx="1956210" cy="1323439"/>
+            <a:off x="10550467" y="1934424"/>
+            <a:ext cx="1563857" cy="1323439"/>
           </a:xfrm>
           <a:prstGeom prst="rect">
             <a:avLst/>
@@ -6130,7 +6159,11 @@
             </a:r>
             <a:r>
               <a:rPr kumimoji="1" lang="ja-JP" altLang="en-US" sz="2000" dirty="0" smtClean="0"/>
-              <a:t>：白</a:t>
+              <a:t>：</a:t>
+            </a:r>
+            <a:r>
+              <a:rPr lang="ja-JP" altLang="en-US" sz="2000" dirty="0"/>
+              <a:t>黒</a:t>
             </a:r>
             <a:endParaRPr kumimoji="1" lang="en-US" altLang="ja-JP" sz="2000" dirty="0" smtClean="0"/>
           </a:p>
@@ -6141,7 +6174,7 @@
             </a:r>
             <a:r>
               <a:rPr lang="ja-JP" altLang="en-US" sz="2000" dirty="0" smtClean="0"/>
-              <a:t>：黒</a:t>
+              <a:t>：白</a:t>
             </a:r>
             <a:endParaRPr kumimoji="1" lang="ja-JP" altLang="en-US" sz="2000" dirty="0"/>
           </a:p>
@@ -6208,6 +6241,130 @@
               <a:t>どっちがどこに石を置いたかだけ分かれば十分？</a:t>
             </a:r>
             <a:endParaRPr kumimoji="1" lang="ja-JP" altLang="en-US" sz="2000" dirty="0"/>
+          </a:p>
+        </p:txBody>
+      </p:sp>
+      <p:sp>
+        <p:nvSpPr>
+          <p:cNvPr id="2" name="テキスト ボックス 1"/>
+          <p:cNvSpPr txBox="1"/>
+          <p:nvPr/>
+        </p:nvSpPr>
+        <p:spPr>
+          <a:xfrm>
+            <a:off x="9165874" y="4906196"/>
+            <a:ext cx="1384593" cy="1015663"/>
+          </a:xfrm>
+          <a:prstGeom prst="rect">
+            <a:avLst/>
+          </a:prstGeom>
+          <a:noFill/>
+        </p:spPr>
+        <p:txBody>
+          <a:bodyPr wrap="square" rtlCol="0">
+            <a:spAutoFit/>
+          </a:bodyPr>
+          <a:lstStyle/>
+          <a:p>
+            <a:r>
+              <a:rPr kumimoji="1" lang="ja-JP" altLang="en-US" sz="2000" dirty="0" smtClean="0"/>
+              <a:t>手番番号</a:t>
+            </a:r>
+            <a:endParaRPr kumimoji="1" lang="en-US" altLang="ja-JP" sz="2000" dirty="0" smtClean="0"/>
+          </a:p>
+          <a:p>
+            <a:r>
+              <a:rPr lang="en-US" altLang="ja-JP" sz="2000" dirty="0" smtClean="0"/>
+              <a:t>0:</a:t>
+            </a:r>
+            <a:r>
+              <a:rPr lang="ja-JP" altLang="en-US" sz="2000" dirty="0" smtClean="0"/>
+              <a:t>黒</a:t>
+            </a:r>
+            <a:endParaRPr lang="en-US" altLang="ja-JP" sz="2000" dirty="0" smtClean="0"/>
+          </a:p>
+          <a:p>
+            <a:r>
+              <a:rPr kumimoji="1" lang="en-US" altLang="ja-JP" sz="2000" dirty="0" smtClean="0"/>
+              <a:t>1:</a:t>
+            </a:r>
+            <a:r>
+              <a:rPr kumimoji="1" lang="ja-JP" altLang="en-US" sz="2000" dirty="0" smtClean="0"/>
+              <a:t>白</a:t>
+            </a:r>
+            <a:endParaRPr kumimoji="1" lang="ja-JP" altLang="en-US" sz="2000" dirty="0"/>
+          </a:p>
+        </p:txBody>
+      </p:sp>
+      <p:cxnSp>
+        <p:nvCxnSpPr>
+          <p:cNvPr id="20" name="直線矢印コネクタ 19"/>
+          <p:cNvCxnSpPr/>
+          <p:nvPr/>
+        </p:nvCxnSpPr>
+        <p:spPr>
+          <a:xfrm>
+            <a:off x="11185321" y="1538514"/>
+            <a:ext cx="1" cy="395910"/>
+          </a:xfrm>
+          <a:prstGeom prst="straightConnector1">
+            <a:avLst/>
+          </a:prstGeom>
+          <a:ln w="25400">
+            <a:tailEnd type="triangle"/>
+          </a:ln>
+        </p:spPr>
+        <p:style>
+          <a:lnRef idx="1">
+            <a:schemeClr val="accent1"/>
+          </a:lnRef>
+          <a:fillRef idx="0">
+            <a:schemeClr val="accent1"/>
+          </a:fillRef>
+          <a:effectRef idx="0">
+            <a:schemeClr val="accent1"/>
+          </a:effectRef>
+          <a:fontRef idx="minor">
+            <a:schemeClr val="tx1"/>
+          </a:fontRef>
+        </p:style>
+      </p:cxnSp>
+      <p:sp>
+        <p:nvSpPr>
+          <p:cNvPr id="12" name="テキスト ボックス 11"/>
+          <p:cNvSpPr txBox="1"/>
+          <p:nvPr/>
+        </p:nvSpPr>
+        <p:spPr>
+          <a:xfrm>
+            <a:off x="10414555" y="892183"/>
+            <a:ext cx="1699769" cy="646331"/>
+          </a:xfrm>
+          <a:prstGeom prst="rect">
+            <a:avLst/>
+          </a:prstGeom>
+          <a:noFill/>
+        </p:spPr>
+        <p:txBody>
+          <a:bodyPr wrap="square" rtlCol="0">
+            <a:spAutoFit/>
+          </a:bodyPr>
+          <a:lstStyle/>
+          <a:p>
+            <a:pPr algn="ctr"/>
+            <a:r>
+              <a:rPr kumimoji="1" lang="ja-JP" altLang="en-US" dirty="0" smtClean="0"/>
+              <a:t>手番</a:t>
+            </a:r>
+            <a:r>
+              <a:rPr kumimoji="1" lang="en-US" altLang="ja-JP" dirty="0" smtClean="0"/>
+              <a:t>+1</a:t>
+            </a:r>
+            <a:r>
+              <a:rPr kumimoji="1" lang="ja-JP" altLang="en-US" dirty="0" smtClean="0"/>
+              <a:t>が石のデータにする</a:t>
+            </a:r>
+            <a:endParaRPr kumimoji="1" lang="ja-JP" altLang="en-US" dirty="0"/>
           </a:p>
         </p:txBody>
       </p:sp>

--- a/design/ゲームシステム.pptx
+++ b/design/ゲームシステム.pptx
@@ -201,7 +201,7 @@
           <a:p>
             <a:fld id="{C1D057B1-392F-4EA3-A98E-DCD6DB5AF2D7}" type="datetimeFigureOut">
               <a:rPr kumimoji="1" lang="ja-JP" altLang="en-US" smtClean="0"/>
-              <a:t>2014/2/13</a:t>
+              <a:t>2014/2/17</a:t>
             </a:fld>
             <a:endParaRPr kumimoji="1" lang="ja-JP" altLang="en-US"/>
           </a:p>
@@ -754,11 +754,7 @@
             </a:r>
             <a:r>
               <a:rPr kumimoji="1" lang="ja-JP" altLang="en-US" dirty="0" smtClean="0"/>
-              <a:t>通じるファイルにしないといけない。その決め方をどうするか</a:t>
-            </a:r>
-            <a:r>
-              <a:rPr kumimoji="1" lang="ja-JP" altLang="en-US" dirty="0" smtClean="0"/>
-              <a:t>。</a:t>
+              <a:t>通じるファイルにしないといけない。その決め方をどうするか。</a:t>
             </a:r>
             <a:endParaRPr kumimoji="1" lang="en-US" altLang="ja-JP" dirty="0" smtClean="0"/>
           </a:p>
@@ -1026,7 +1022,7 @@
           <a:p>
             <a:fld id="{DB526660-F677-44CC-876D-331CADDE51A8}" type="datetimeFigureOut">
               <a:rPr kumimoji="1" lang="ja-JP" altLang="en-US" smtClean="0"/>
-              <a:t>2014/2/13</a:t>
+              <a:t>2014/2/17</a:t>
             </a:fld>
             <a:endParaRPr kumimoji="1" lang="ja-JP" altLang="en-US"/>
           </a:p>
@@ -1228,7 +1224,7 @@
           <a:p>
             <a:fld id="{DB526660-F677-44CC-876D-331CADDE51A8}" type="datetimeFigureOut">
               <a:rPr kumimoji="1" lang="ja-JP" altLang="en-US" smtClean="0"/>
-              <a:t>2014/2/13</a:t>
+              <a:t>2014/2/17</a:t>
             </a:fld>
             <a:endParaRPr kumimoji="1" lang="ja-JP" altLang="en-US"/>
           </a:p>
@@ -1440,7 +1436,7 @@
           <a:p>
             <a:fld id="{DB526660-F677-44CC-876D-331CADDE51A8}" type="datetimeFigureOut">
               <a:rPr kumimoji="1" lang="ja-JP" altLang="en-US" smtClean="0"/>
-              <a:t>2014/2/13</a:t>
+              <a:t>2014/2/17</a:t>
             </a:fld>
             <a:endParaRPr kumimoji="1" lang="ja-JP" altLang="en-US"/>
           </a:p>
@@ -1642,7 +1638,7 @@
           <a:p>
             <a:fld id="{DB526660-F677-44CC-876D-331CADDE51A8}" type="datetimeFigureOut">
               <a:rPr kumimoji="1" lang="ja-JP" altLang="en-US" smtClean="0"/>
-              <a:t>2014/2/13</a:t>
+              <a:t>2014/2/17</a:t>
             </a:fld>
             <a:endParaRPr kumimoji="1" lang="ja-JP" altLang="en-US"/>
           </a:p>
@@ -1888,7 +1884,7 @@
           <a:p>
             <a:fld id="{DB526660-F677-44CC-876D-331CADDE51A8}" type="datetimeFigureOut">
               <a:rPr kumimoji="1" lang="ja-JP" altLang="en-US" smtClean="0"/>
-              <a:t>2014/2/13</a:t>
+              <a:t>2014/2/17</a:t>
             </a:fld>
             <a:endParaRPr kumimoji="1" lang="ja-JP" altLang="en-US"/>
           </a:p>
@@ -2184,7 +2180,7 @@
           <a:p>
             <a:fld id="{DB526660-F677-44CC-876D-331CADDE51A8}" type="datetimeFigureOut">
               <a:rPr kumimoji="1" lang="ja-JP" altLang="en-US" smtClean="0"/>
-              <a:t>2014/2/13</a:t>
+              <a:t>2014/2/17</a:t>
             </a:fld>
             <a:endParaRPr kumimoji="1" lang="ja-JP" altLang="en-US"/>
           </a:p>
@@ -2615,7 +2611,7 @@
           <a:p>
             <a:fld id="{DB526660-F677-44CC-876D-331CADDE51A8}" type="datetimeFigureOut">
               <a:rPr kumimoji="1" lang="ja-JP" altLang="en-US" smtClean="0"/>
-              <a:t>2014/2/13</a:t>
+              <a:t>2014/2/17</a:t>
             </a:fld>
             <a:endParaRPr kumimoji="1" lang="ja-JP" altLang="en-US"/>
           </a:p>
@@ -2733,7 +2729,7 @@
           <a:p>
             <a:fld id="{DB526660-F677-44CC-876D-331CADDE51A8}" type="datetimeFigureOut">
               <a:rPr kumimoji="1" lang="ja-JP" altLang="en-US" smtClean="0"/>
-              <a:t>2014/2/13</a:t>
+              <a:t>2014/2/17</a:t>
             </a:fld>
             <a:endParaRPr kumimoji="1" lang="ja-JP" altLang="en-US"/>
           </a:p>
@@ -2828,7 +2824,7 @@
           <a:p>
             <a:fld id="{DB526660-F677-44CC-876D-331CADDE51A8}" type="datetimeFigureOut">
               <a:rPr kumimoji="1" lang="ja-JP" altLang="en-US" smtClean="0"/>
-              <a:t>2014/2/13</a:t>
+              <a:t>2014/2/17</a:t>
             </a:fld>
             <a:endParaRPr kumimoji="1" lang="ja-JP" altLang="en-US"/>
           </a:p>
@@ -3137,7 +3133,7 @@
           <a:p>
             <a:fld id="{DB526660-F677-44CC-876D-331CADDE51A8}" type="datetimeFigureOut">
               <a:rPr kumimoji="1" lang="ja-JP" altLang="en-US" smtClean="0"/>
-              <a:t>2014/2/13</a:t>
+              <a:t>2014/2/17</a:t>
             </a:fld>
             <a:endParaRPr kumimoji="1" lang="ja-JP" altLang="en-US"/>
           </a:p>
@@ -3390,7 +3386,7 @@
           <a:p>
             <a:fld id="{DB526660-F677-44CC-876D-331CADDE51A8}" type="datetimeFigureOut">
               <a:rPr kumimoji="1" lang="ja-JP" altLang="en-US" smtClean="0"/>
-              <a:t>2014/2/13</a:t>
+              <a:t>2014/2/17</a:t>
             </a:fld>
             <a:endParaRPr kumimoji="1" lang="ja-JP" altLang="en-US"/>
           </a:p>
@@ -3635,7 +3631,7 @@
           <a:p>
             <a:fld id="{DB526660-F677-44CC-876D-331CADDE51A8}" type="datetimeFigureOut">
               <a:rPr kumimoji="1" lang="ja-JP" altLang="en-US" smtClean="0"/>
-              <a:t>2014/2/13</a:t>
+              <a:t>2014/2/17</a:t>
             </a:fld>
             <a:endParaRPr kumimoji="1" lang="ja-JP" altLang="en-US"/>
           </a:p>
@@ -5879,8 +5875,8 @@
         </p:nvSpPr>
         <p:spPr>
           <a:xfrm>
-            <a:off x="6622662" y="1672814"/>
-            <a:ext cx="1401097" cy="3170099"/>
+            <a:off x="6627351" y="1577705"/>
+            <a:ext cx="1401097" cy="3477875"/>
           </a:xfrm>
           <a:prstGeom prst="rect">
             <a:avLst/>
@@ -5897,7 +5893,6 @@
               <a:rPr lang="en-US" altLang="ja-JP" sz="2000" dirty="0" smtClean="0"/>
               <a:t>00000000</a:t>
             </a:r>
-            <a:endParaRPr lang="en-US" altLang="ja-JP" sz="2000" dirty="0" smtClean="0"/>
           </a:p>
           <a:p>
             <a:r>
@@ -5916,14 +5911,12 @@
               <a:rPr kumimoji="1" lang="en-US" altLang="ja-JP" sz="2000" dirty="0" smtClean="0"/>
               <a:t>00021000</a:t>
             </a:r>
-            <a:endParaRPr kumimoji="1" lang="en-US" altLang="ja-JP" sz="2000" dirty="0" smtClean="0"/>
           </a:p>
           <a:p>
             <a:r>
               <a:rPr lang="en-US" altLang="ja-JP" sz="2000" dirty="0" smtClean="0"/>
               <a:t>00012000</a:t>
             </a:r>
-            <a:endParaRPr lang="en-US" altLang="ja-JP" sz="2000" dirty="0" smtClean="0"/>
           </a:p>
           <a:p>
             <a:r>
@@ -5953,6 +5946,12 @@
             <a:r>
               <a:rPr lang="en-US" altLang="ja-JP" sz="2000" dirty="0" smtClean="0"/>
               <a:t>1:2,9</a:t>
+            </a:r>
+          </a:p>
+          <a:p>
+            <a:r>
+              <a:rPr kumimoji="1" lang="en-US" altLang="ja-JP" sz="2000" dirty="0" smtClean="0"/>
+              <a:t>0:pass</a:t>
             </a:r>
             <a:endParaRPr kumimoji="1" lang="en-US" altLang="ja-JP" sz="2000" dirty="0" smtClean="0"/>
           </a:p>
@@ -6015,15 +6014,7 @@
           <a:p>
             <a:r>
               <a:rPr kumimoji="1" lang="ja-JP" altLang="en-US" sz="2000" dirty="0" smtClean="0"/>
-              <a:t>どっち</a:t>
-            </a:r>
-            <a:r>
-              <a:rPr kumimoji="1" lang="ja-JP" altLang="en-US" sz="2000" dirty="0" smtClean="0"/>
-              <a:t>の</a:t>
-            </a:r>
-            <a:r>
-              <a:rPr kumimoji="1" lang="ja-JP" altLang="en-US" sz="2000" dirty="0" smtClean="0"/>
-              <a:t>手がどこに打ったのか</a:t>
+              <a:t>どっちの手がどこに打ったのか</a:t>
             </a:r>
             <a:endParaRPr kumimoji="1" lang="ja-JP" altLang="en-US" sz="2000" dirty="0"/>
           </a:p>
@@ -6222,7 +6213,7 @@
         </p:nvSpPr>
         <p:spPr>
           <a:xfrm>
-            <a:off x="4727936" y="5857266"/>
+            <a:off x="5215810" y="5968656"/>
             <a:ext cx="2978456" cy="707886"/>
           </a:xfrm>
           <a:prstGeom prst="rect">
@@ -6363,6 +6354,115 @@
             <a:r>
               <a:rPr kumimoji="1" lang="ja-JP" altLang="en-US" dirty="0" smtClean="0"/>
               <a:t>が石のデータにする</a:t>
+            </a:r>
+            <a:endParaRPr kumimoji="1" lang="ja-JP" altLang="en-US" dirty="0"/>
+          </a:p>
+        </p:txBody>
+      </p:sp>
+      <p:cxnSp>
+        <p:nvCxnSpPr>
+          <p:cNvPr id="21" name="直線矢印コネクタ 20"/>
+          <p:cNvCxnSpPr/>
+          <p:nvPr/>
+        </p:nvCxnSpPr>
+        <p:spPr>
+          <a:xfrm>
+            <a:off x="5695102" y="4855326"/>
+            <a:ext cx="915803" cy="0"/>
+          </a:xfrm>
+          <a:prstGeom prst="straightConnector1">
+            <a:avLst/>
+          </a:prstGeom>
+          <a:ln w="25400">
+            <a:tailEnd type="triangle"/>
+          </a:ln>
+        </p:spPr>
+        <p:style>
+          <a:lnRef idx="1">
+            <a:schemeClr val="accent1"/>
+          </a:lnRef>
+          <a:fillRef idx="0">
+            <a:schemeClr val="accent1"/>
+          </a:fillRef>
+          <a:effectRef idx="0">
+            <a:schemeClr val="accent1"/>
+          </a:effectRef>
+          <a:fontRef idx="minor">
+            <a:schemeClr val="tx1"/>
+          </a:fontRef>
+        </p:style>
+      </p:cxnSp>
+      <p:sp>
+        <p:nvSpPr>
+          <p:cNvPr id="22" name="テキスト ボックス 21"/>
+          <p:cNvSpPr txBox="1"/>
+          <p:nvPr/>
+        </p:nvSpPr>
+        <p:spPr>
+          <a:xfrm>
+            <a:off x="4227381" y="4377320"/>
+            <a:ext cx="1561076" cy="923330"/>
+          </a:xfrm>
+          <a:prstGeom prst="rect">
+            <a:avLst/>
+          </a:prstGeom>
+          <a:noFill/>
+        </p:spPr>
+        <p:txBody>
+          <a:bodyPr wrap="square" rtlCol="0">
+            <a:spAutoFit/>
+          </a:bodyPr>
+          <a:lstStyle/>
+          <a:p>
+            <a:r>
+              <a:rPr lang="en-US" altLang="ja-JP" dirty="0"/>
+              <a:t>p</a:t>
+            </a:r>
+            <a:r>
+              <a:rPr kumimoji="1" lang="en-US" altLang="ja-JP" dirty="0" smtClean="0"/>
+              <a:t>ass</a:t>
+            </a:r>
+            <a:r>
+              <a:rPr kumimoji="1" lang="ja-JP" altLang="en-US" dirty="0" smtClean="0"/>
+              <a:t>が存在するため、このように書く？</a:t>
+            </a:r>
+            <a:endParaRPr kumimoji="1" lang="ja-JP" altLang="en-US" dirty="0"/>
+          </a:p>
+        </p:txBody>
+      </p:sp>
+      <p:sp>
+        <p:nvSpPr>
+          <p:cNvPr id="23" name="テキスト ボックス 22"/>
+          <p:cNvSpPr txBox="1"/>
+          <p:nvPr/>
+        </p:nvSpPr>
+        <p:spPr>
+          <a:xfrm>
+            <a:off x="2280786" y="5192106"/>
+            <a:ext cx="2476896" cy="1200329"/>
+          </a:xfrm>
+          <a:prstGeom prst="rect">
+            <a:avLst/>
+          </a:prstGeom>
+          <a:noFill/>
+        </p:spPr>
+        <p:txBody>
+          <a:bodyPr wrap="square" rtlCol="0">
+            <a:spAutoFit/>
+          </a:bodyPr>
+          <a:lstStyle/>
+          <a:p>
+            <a:r>
+              <a:rPr lang="en-US" altLang="ja-JP" dirty="0"/>
+              <a:t>p</a:t>
+            </a:r>
+            <a:r>
+              <a:rPr kumimoji="1" lang="en-US" altLang="ja-JP" dirty="0" smtClean="0"/>
+              <a:t>ass</a:t>
+            </a:r>
+            <a:r>
+              <a:rPr kumimoji="1" lang="ja-JP" altLang="en-US" dirty="0" smtClean="0"/>
+              <a:t>するかしないかは盤面を見れば分かるため、わざわざ通知する必要はない？</a:t>
             </a:r>
             <a:endParaRPr kumimoji="1" lang="ja-JP" altLang="en-US" dirty="0"/>
           </a:p>

--- a/design/ゲームシステム.pptx
+++ b/design/ゲームシステム.pptx
@@ -5,7 +5,7 @@
     <p:sldMasterId id="2147483648" r:id="rId1"/>
   </p:sldMasterIdLst>
   <p:notesMasterIdLst>
-    <p:notesMasterId r:id="rId7"/>
+    <p:notesMasterId r:id="rId8"/>
   </p:notesMasterIdLst>
   <p:sldIdLst>
     <p:sldId id="256" r:id="rId2"/>
@@ -13,6 +13,7 @@
     <p:sldId id="258" r:id="rId4"/>
     <p:sldId id="259" r:id="rId5"/>
     <p:sldId id="260" r:id="rId6"/>
+    <p:sldId id="261" r:id="rId7"/>
   </p:sldIdLst>
   <p:sldSz cx="12192000" cy="6858000"/>
   <p:notesSz cx="6858000" cy="9144000"/>
@@ -882,6 +883,117 @@
     <p:extLst>
       <p:ext uri="{BB962C8B-B14F-4D97-AF65-F5344CB8AC3E}">
         <p14:creationId xmlns:p14="http://schemas.microsoft.com/office/powerpoint/2010/main" val="1666012708"/>
+      </p:ext>
+    </p:extLst>
+  </p:cSld>
+  <p:clrMapOvr>
+    <a:masterClrMapping/>
+  </p:clrMapOvr>
+</p:notes>
+</file>
+
+<file path=ppt/notesSlides/notesSlide5.xml><?xml version="1.0" encoding="utf-8"?>
+<p:notes xmlns:a="http://schemas.openxmlformats.org/drawingml/2006/main" xmlns:r="http://schemas.openxmlformats.org/officeDocument/2006/relationships" xmlns:p="http://schemas.openxmlformats.org/presentationml/2006/main">
+  <p:cSld>
+    <p:spTree>
+      <p:nvGrpSpPr>
+        <p:cNvPr id="1" name=""/>
+        <p:cNvGrpSpPr/>
+        <p:nvPr/>
+      </p:nvGrpSpPr>
+      <p:grpSpPr>
+        <a:xfrm>
+          <a:off x="0" y="0"/>
+          <a:ext cx="0" cy="0"/>
+          <a:chOff x="0" y="0"/>
+          <a:chExt cx="0" cy="0"/>
+        </a:xfrm>
+      </p:grpSpPr>
+      <p:sp>
+        <p:nvSpPr>
+          <p:cNvPr id="2" name="スライド イメージ プレースホルダー 1"/>
+          <p:cNvSpPr>
+            <a:spLocks noGrp="1" noRot="1" noChangeAspect="1"/>
+          </p:cNvSpPr>
+          <p:nvPr>
+            <p:ph type="sldImg"/>
+          </p:nvPr>
+        </p:nvSpPr>
+        <p:spPr/>
+      </p:sp>
+      <p:sp>
+        <p:nvSpPr>
+          <p:cNvPr id="3" name="ノート プレースホルダー 2"/>
+          <p:cNvSpPr>
+            <a:spLocks noGrp="1"/>
+          </p:cNvSpPr>
+          <p:nvPr>
+            <p:ph type="body" idx="1"/>
+          </p:nvPr>
+        </p:nvSpPr>
+        <p:spPr/>
+        <p:txBody>
+          <a:bodyPr/>
+          <a:lstStyle/>
+          <a:p>
+            <a:r>
+              <a:rPr kumimoji="1" lang="ja-JP" altLang="en-US" dirty="0" smtClean="0"/>
+              <a:t>抽象クラス</a:t>
+            </a:r>
+            <a:r>
+              <a:rPr kumimoji="1" lang="en-US" altLang="ja-JP" dirty="0" smtClean="0"/>
+              <a:t>Player</a:t>
+            </a:r>
+            <a:r>
+              <a:rPr kumimoji="1" lang="ja-JP" altLang="en-US" dirty="0" smtClean="0"/>
+              <a:t>を通して、入力の仕方が違うだけの</a:t>
+            </a:r>
+            <a:r>
+              <a:rPr kumimoji="1" lang="en-US" altLang="ja-JP" dirty="0" smtClean="0"/>
+              <a:t>3</a:t>
+            </a:r>
+            <a:r>
+              <a:rPr kumimoji="1" lang="ja-JP" altLang="en-US" dirty="0" smtClean="0"/>
+              <a:t>種類のクラスを実装する。</a:t>
+            </a:r>
+            <a:endParaRPr kumimoji="1" lang="en-US" altLang="ja-JP" dirty="0" smtClean="0"/>
+          </a:p>
+          <a:p>
+            <a:r>
+              <a:rPr kumimoji="1" lang="ja-JP" altLang="en-US" dirty="0" smtClean="0"/>
+              <a:t>抽象的な処理で済むように考えながらオセロのゲームを作っていく。</a:t>
+            </a:r>
+            <a:endParaRPr kumimoji="1" lang="ja-JP" altLang="en-US" dirty="0"/>
+          </a:p>
+        </p:txBody>
+      </p:sp>
+      <p:sp>
+        <p:nvSpPr>
+          <p:cNvPr id="4" name="スライド番号プレースホルダー 3"/>
+          <p:cNvSpPr>
+            <a:spLocks noGrp="1"/>
+          </p:cNvSpPr>
+          <p:nvPr>
+            <p:ph type="sldNum" sz="quarter" idx="10"/>
+          </p:nvPr>
+        </p:nvSpPr>
+        <p:spPr/>
+        <p:txBody>
+          <a:bodyPr/>
+          <a:lstStyle/>
+          <a:p>
+            <a:fld id="{0384B56B-5CA1-4B73-9B92-65F8C9E4633A}" type="slidenum">
+              <a:rPr kumimoji="1" lang="ja-JP" altLang="en-US" smtClean="0"/>
+              <a:t>6</a:t>
+            </a:fld>
+            <a:endParaRPr kumimoji="1" lang="ja-JP" altLang="en-US"/>
+          </a:p>
+        </p:txBody>
+      </p:sp>
+    </p:spTree>
+    <p:extLst>
+      <p:ext uri="{BB962C8B-B14F-4D97-AF65-F5344CB8AC3E}">
+        <p14:creationId xmlns:p14="http://schemas.microsoft.com/office/powerpoint/2010/main" val="485977055"/>
       </p:ext>
     </p:extLst>
   </p:cSld>
@@ -8506,6 +8618,113 @@
     <p:extLst>
       <p:ext uri="{BB962C8B-B14F-4D97-AF65-F5344CB8AC3E}">
         <p14:creationId xmlns:p14="http://schemas.microsoft.com/office/powerpoint/2010/main" val="2886907639"/>
+      </p:ext>
+    </p:extLst>
+  </p:cSld>
+  <p:clrMapOvr>
+    <a:masterClrMapping/>
+  </p:clrMapOvr>
+</p:sld>
+</file>
+
+<file path=ppt/slides/slide6.xml><?xml version="1.0" encoding="utf-8"?>
+<p:sld xmlns:a="http://schemas.openxmlformats.org/drawingml/2006/main" xmlns:r="http://schemas.openxmlformats.org/officeDocument/2006/relationships" xmlns:p="http://schemas.openxmlformats.org/presentationml/2006/main">
+  <p:cSld>
+    <p:spTree>
+      <p:nvGrpSpPr>
+        <p:cNvPr id="1" name=""/>
+        <p:cNvGrpSpPr/>
+        <p:nvPr/>
+      </p:nvGrpSpPr>
+      <p:grpSpPr>
+        <a:xfrm>
+          <a:off x="0" y="0"/>
+          <a:ext cx="0" cy="0"/>
+          <a:chOff x="0" y="0"/>
+          <a:chExt cx="0" cy="0"/>
+        </a:xfrm>
+      </p:grpSpPr>
+      <p:sp>
+        <p:nvSpPr>
+          <p:cNvPr id="7" name="テキスト ボックス 6"/>
+          <p:cNvSpPr txBox="1"/>
+          <p:nvPr/>
+        </p:nvSpPr>
+        <p:spPr>
+          <a:xfrm>
+            <a:off x="2392545" y="0"/>
+            <a:ext cx="7588865" cy="830997"/>
+          </a:xfrm>
+          <a:prstGeom prst="rect">
+            <a:avLst/>
+          </a:prstGeom>
+          <a:noFill/>
+        </p:spPr>
+        <p:txBody>
+          <a:bodyPr wrap="square" rtlCol="0">
+            <a:spAutoFit/>
+          </a:bodyPr>
+          <a:lstStyle/>
+          <a:p>
+            <a:pPr algn="ctr"/>
+            <a:r>
+              <a:rPr kumimoji="1" lang="en-US" altLang="ja-JP" sz="4800" b="1" dirty="0" smtClean="0">
+                <a:solidFill>
+                  <a:srgbClr val="7030A0"/>
+                </a:solidFill>
+              </a:rPr>
+              <a:t>Player</a:t>
+            </a:r>
+            <a:r>
+              <a:rPr kumimoji="1" lang="ja-JP" altLang="en-US" sz="4800" b="1" dirty="0" smtClean="0">
+                <a:solidFill>
+                  <a:srgbClr val="7030A0"/>
+                </a:solidFill>
+              </a:rPr>
+              <a:t>のクラス図</a:t>
+            </a:r>
+            <a:endParaRPr kumimoji="1" lang="ja-JP" altLang="en-US" sz="4800" b="1" dirty="0">
+              <a:solidFill>
+                <a:srgbClr val="7030A0"/>
+              </a:solidFill>
+            </a:endParaRPr>
+          </a:p>
+        </p:txBody>
+      </p:sp>
+      <p:pic>
+        <p:nvPicPr>
+          <p:cNvPr id="8" name="図 7"/>
+          <p:cNvPicPr>
+            <a:picLocks noChangeAspect="1"/>
+          </p:cNvPicPr>
+          <p:nvPr/>
+        </p:nvPicPr>
+        <p:blipFill>
+          <a:blip r:embed="rId3">
+            <a:extLst>
+              <a:ext uri="{28A0092B-C50C-407E-A947-70E740481C1C}">
+                <a14:useLocalDpi xmlns:a14="http://schemas.microsoft.com/office/drawing/2010/main" val="0"/>
+              </a:ext>
+            </a:extLst>
+          </a:blip>
+          <a:stretch>
+            <a:fillRect/>
+          </a:stretch>
+        </p:blipFill>
+        <p:spPr>
+          <a:xfrm>
+            <a:off x="1525587" y="1370012"/>
+            <a:ext cx="9638964" cy="5117874"/>
+          </a:xfrm>
+          <a:prstGeom prst="rect">
+            <a:avLst/>
+          </a:prstGeom>
+        </p:spPr>
+      </p:pic>
+    </p:spTree>
+    <p:extLst>
+      <p:ext uri="{BB962C8B-B14F-4D97-AF65-F5344CB8AC3E}">
+        <p14:creationId xmlns:p14="http://schemas.microsoft.com/office/powerpoint/2010/main" val="2973623932"/>
       </p:ext>
     </p:extLst>
   </p:cSld>
